--- a/Spacemaker_proj.pptx
+++ b/Spacemaker_proj.pptx
@@ -23,6 +23,7 @@
     <p:sldId id="273" r:id="rId17"/>
     <p:sldId id="267" r:id="rId18"/>
     <p:sldId id="272" r:id="rId19"/>
+    <p:sldId id="274" r:id="rId20"/>
   </p:sldIdLst>
   <p:sldSz cx="12192000" cy="6858000"/>
   <p:notesSz cx="6858000" cy="9144000"/>
@@ -121,6 +122,11 @@
       </a:defRPr>
     </a:lvl9pPr>
   </p:defaultTextStyle>
+  <p:extLst>
+    <p:ext uri="{EFAFB233-063F-42B5-8137-9DF3F51BA10A}">
+      <p15:sldGuideLst xmlns:p15="http://schemas.microsoft.com/office/powerpoint/2012/main"/>
+    </p:ext>
+  </p:extLst>
 </p:presentation>
 </file>
 
@@ -271,7 +277,7 @@
           <a:p>
             <a:fld id="{576B9C8A-B317-704F-8D51-8CDB4DDA3089}" type="datetimeFigureOut">
               <a:rPr lang="en-US" smtClean="0"/>
-              <a:t>6/4/20</a:t>
+              <a:t>6/6/20</a:t>
             </a:fld>
             <a:endParaRPr lang="en-US"/>
           </a:p>
@@ -469,7 +475,7 @@
           <a:p>
             <a:fld id="{576B9C8A-B317-704F-8D51-8CDB4DDA3089}" type="datetimeFigureOut">
               <a:rPr lang="en-US" smtClean="0"/>
-              <a:t>6/4/20</a:t>
+              <a:t>6/6/20</a:t>
             </a:fld>
             <a:endParaRPr lang="en-US"/>
           </a:p>
@@ -677,7 +683,7 @@
           <a:p>
             <a:fld id="{576B9C8A-B317-704F-8D51-8CDB4DDA3089}" type="datetimeFigureOut">
               <a:rPr lang="en-US" smtClean="0"/>
-              <a:t>6/4/20</a:t>
+              <a:t>6/6/20</a:t>
             </a:fld>
             <a:endParaRPr lang="en-US"/>
           </a:p>
@@ -875,7 +881,7 @@
           <a:p>
             <a:fld id="{576B9C8A-B317-704F-8D51-8CDB4DDA3089}" type="datetimeFigureOut">
               <a:rPr lang="en-US" smtClean="0"/>
-              <a:t>6/4/20</a:t>
+              <a:t>6/6/20</a:t>
             </a:fld>
             <a:endParaRPr lang="en-US"/>
           </a:p>
@@ -1150,7 +1156,7 @@
           <a:p>
             <a:fld id="{576B9C8A-B317-704F-8D51-8CDB4DDA3089}" type="datetimeFigureOut">
               <a:rPr lang="en-US" smtClean="0"/>
-              <a:t>6/4/20</a:t>
+              <a:t>6/6/20</a:t>
             </a:fld>
             <a:endParaRPr lang="en-US"/>
           </a:p>
@@ -1415,7 +1421,7 @@
           <a:p>
             <a:fld id="{576B9C8A-B317-704F-8D51-8CDB4DDA3089}" type="datetimeFigureOut">
               <a:rPr lang="en-US" smtClean="0"/>
-              <a:t>6/4/20</a:t>
+              <a:t>6/6/20</a:t>
             </a:fld>
             <a:endParaRPr lang="en-US"/>
           </a:p>
@@ -1827,7 +1833,7 @@
           <a:p>
             <a:fld id="{576B9C8A-B317-704F-8D51-8CDB4DDA3089}" type="datetimeFigureOut">
               <a:rPr lang="en-US" smtClean="0"/>
-              <a:t>6/4/20</a:t>
+              <a:t>6/6/20</a:t>
             </a:fld>
             <a:endParaRPr lang="en-US"/>
           </a:p>
@@ -1968,7 +1974,7 @@
           <a:p>
             <a:fld id="{576B9C8A-B317-704F-8D51-8CDB4DDA3089}" type="datetimeFigureOut">
               <a:rPr lang="en-US" smtClean="0"/>
-              <a:t>6/4/20</a:t>
+              <a:t>6/6/20</a:t>
             </a:fld>
             <a:endParaRPr lang="en-US"/>
           </a:p>
@@ -2081,7 +2087,7 @@
           <a:p>
             <a:fld id="{576B9C8A-B317-704F-8D51-8CDB4DDA3089}" type="datetimeFigureOut">
               <a:rPr lang="en-US" smtClean="0"/>
-              <a:t>6/4/20</a:t>
+              <a:t>6/6/20</a:t>
             </a:fld>
             <a:endParaRPr lang="en-US"/>
           </a:p>
@@ -2392,7 +2398,7 @@
           <a:p>
             <a:fld id="{576B9C8A-B317-704F-8D51-8CDB4DDA3089}" type="datetimeFigureOut">
               <a:rPr lang="en-US" smtClean="0"/>
-              <a:t>6/4/20</a:t>
+              <a:t>6/6/20</a:t>
             </a:fld>
             <a:endParaRPr lang="en-US"/>
           </a:p>
@@ -2680,7 +2686,7 @@
           <a:p>
             <a:fld id="{576B9C8A-B317-704F-8D51-8CDB4DDA3089}" type="datetimeFigureOut">
               <a:rPr lang="en-US" smtClean="0"/>
-              <a:t>6/4/20</a:t>
+              <a:t>6/6/20</a:t>
             </a:fld>
             <a:endParaRPr lang="en-US"/>
           </a:p>
@@ -2921,7 +2927,7 @@
           <a:p>
             <a:fld id="{576B9C8A-B317-704F-8D51-8CDB4DDA3089}" type="datetimeFigureOut">
               <a:rPr lang="en-US" smtClean="0"/>
-              <a:t>6/4/20</a:t>
+              <a:t>6/6/20</a:t>
             </a:fld>
             <a:endParaRPr lang="en-US"/>
           </a:p>
@@ -3550,7 +3556,7 @@
         </p:spPr>
         <p:txBody>
           <a:bodyPr>
-            <a:normAutofit fontScale="85000" lnSpcReduction="20000"/>
+            <a:normAutofit fontScale="92500" lnSpcReduction="20000"/>
           </a:bodyPr>
           <a:lstStyle/>
           <a:p>
@@ -3559,7 +3565,7 @@
             </a:pPr>
             <a:r>
               <a:rPr lang="en-US" dirty="0"/>
-              <a:t>23 features were defined, some important ones are:</a:t>
+              <a:t>Multiple features were defined, some important ones are:</a:t>
             </a:r>
           </a:p>
           <a:p>
@@ -3611,19 +3617,6 @@
             <a:r>
               <a:rPr lang="en-US" dirty="0"/>
               <a:t>   in the 4 zones</a:t>
-            </a:r>
-          </a:p>
-          <a:p>
-            <a:pPr marL="0" indent="0">
-              <a:buNone/>
-            </a:pPr>
-            <a:r>
-              <a:rPr lang="en-US" dirty="0">
-                <a:solidFill>
-                  <a:srgbClr val="FF0000"/>
-                </a:solidFill>
-              </a:rPr>
-              <a:t>Explain how features were calc</a:t>
             </a:r>
           </a:p>
         </p:txBody>
@@ -6149,6 +6142,1303 @@
 </p:sld>
 </file>
 
+<file path=ppt/slides/slide19.xml><?xml version="1.0" encoding="utf-8"?>
+<p:sld xmlns:a="http://schemas.openxmlformats.org/drawingml/2006/main" xmlns:r="http://schemas.openxmlformats.org/officeDocument/2006/relationships" xmlns:p="http://schemas.openxmlformats.org/presentationml/2006/main">
+  <p:cSld>
+    <p:spTree>
+      <p:nvGrpSpPr>
+        <p:cNvPr id="1" name=""/>
+        <p:cNvGrpSpPr/>
+        <p:nvPr/>
+      </p:nvGrpSpPr>
+      <p:grpSpPr>
+        <a:xfrm>
+          <a:off x="0" y="0"/>
+          <a:ext cx="0" cy="0"/>
+          <a:chOff x="0" y="0"/>
+          <a:chExt cx="0" cy="0"/>
+        </a:xfrm>
+      </p:grpSpPr>
+      <p:sp>
+        <p:nvSpPr>
+          <p:cNvPr id="2" name="Title 1">
+            <a:extLst>
+              <a:ext uri="{FF2B5EF4-FFF2-40B4-BE49-F238E27FC236}">
+                <a16:creationId xmlns:a16="http://schemas.microsoft.com/office/drawing/2014/main" id="{919E0821-0F37-134D-AC4A-CB073B7B3431}"/>
+              </a:ext>
+            </a:extLst>
+          </p:cNvPr>
+          <p:cNvSpPr>
+            <a:spLocks noGrp="1"/>
+          </p:cNvSpPr>
+          <p:nvPr>
+            <p:ph type="title"/>
+          </p:nvPr>
+        </p:nvSpPr>
+        <p:spPr>
+          <a:xfrm>
+            <a:off x="199222" y="121254"/>
+            <a:ext cx="10515600" cy="692494"/>
+          </a:xfrm>
+        </p:spPr>
+        <p:txBody>
+          <a:bodyPr>
+            <a:normAutofit fontScale="90000"/>
+          </a:bodyPr>
+          <a:lstStyle/>
+          <a:p>
+            <a:r>
+              <a:rPr lang="en-US" dirty="0"/>
+              <a:t>APPENDIX: Distance to Road calculation</a:t>
+            </a:r>
+          </a:p>
+        </p:txBody>
+      </p:sp>
+      <p:pic>
+        <p:nvPicPr>
+          <p:cNvPr id="4" name="Content Placeholder 3">
+            <a:extLst>
+              <a:ext uri="{FF2B5EF4-FFF2-40B4-BE49-F238E27FC236}">
+                <a16:creationId xmlns:a16="http://schemas.microsoft.com/office/drawing/2014/main" id="{324B465F-37F6-D94A-82DB-F574F0F9BC8C}"/>
+              </a:ext>
+            </a:extLst>
+          </p:cNvPr>
+          <p:cNvPicPr>
+            <a:picLocks noGrp="1" noChangeAspect="1"/>
+          </p:cNvPicPr>
+          <p:nvPr>
+            <p:ph idx="1"/>
+          </p:nvPr>
+        </p:nvPicPr>
+        <p:blipFill>
+          <a:blip r:embed="rId2"/>
+          <a:stretch>
+            <a:fillRect/>
+          </a:stretch>
+        </p:blipFill>
+        <p:spPr>
+          <a:xfrm>
+            <a:off x="3055345" y="783452"/>
+            <a:ext cx="6055604" cy="6055604"/>
+          </a:xfrm>
+          <a:prstGeom prst="rect">
+            <a:avLst/>
+          </a:prstGeom>
+        </p:spPr>
+      </p:pic>
+      <p:grpSp>
+        <p:nvGrpSpPr>
+          <p:cNvPr id="42" name="Group 41">
+            <a:extLst>
+              <a:ext uri="{FF2B5EF4-FFF2-40B4-BE49-F238E27FC236}">
+                <a16:creationId xmlns:a16="http://schemas.microsoft.com/office/drawing/2014/main" id="{6840E374-D2B4-A84C-87E1-BDAFBECC5EE7}"/>
+              </a:ext>
+            </a:extLst>
+          </p:cNvPr>
+          <p:cNvGrpSpPr/>
+          <p:nvPr/>
+        </p:nvGrpSpPr>
+        <p:grpSpPr>
+          <a:xfrm>
+            <a:off x="4303924" y="1583930"/>
+            <a:ext cx="2982291" cy="4105135"/>
+            <a:chOff x="4303924" y="1583930"/>
+            <a:chExt cx="2982291" cy="4105135"/>
+          </a:xfrm>
+        </p:grpSpPr>
+        <p:cxnSp>
+          <p:nvCxnSpPr>
+            <p:cNvPr id="6" name="Straight Arrow Connector 5">
+              <a:extLst>
+                <a:ext uri="{FF2B5EF4-FFF2-40B4-BE49-F238E27FC236}">
+                  <a16:creationId xmlns:a16="http://schemas.microsoft.com/office/drawing/2014/main" id="{E5048D4A-C4F0-9C41-88D5-F111195D3E51}"/>
+                </a:ext>
+              </a:extLst>
+            </p:cNvPr>
+            <p:cNvCxnSpPr/>
+            <p:nvPr/>
+          </p:nvCxnSpPr>
+          <p:spPr>
+            <a:xfrm flipH="1">
+              <a:off x="4384713" y="2082188"/>
+              <a:ext cx="1711287" cy="0"/>
+            </a:xfrm>
+            <a:prstGeom prst="straightConnector1">
+              <a:avLst/>
+            </a:prstGeom>
+            <a:ln>
+              <a:tailEnd type="triangle"/>
+            </a:ln>
+          </p:spPr>
+          <p:style>
+            <a:lnRef idx="3">
+              <a:schemeClr val="accent1"/>
+            </a:lnRef>
+            <a:fillRef idx="0">
+              <a:schemeClr val="accent1"/>
+            </a:fillRef>
+            <a:effectRef idx="2">
+              <a:schemeClr val="accent1"/>
+            </a:effectRef>
+            <a:fontRef idx="minor">
+              <a:schemeClr val="tx1"/>
+            </a:fontRef>
+          </p:style>
+        </p:cxnSp>
+        <p:cxnSp>
+          <p:nvCxnSpPr>
+            <p:cNvPr id="7" name="Straight Arrow Connector 6">
+              <a:extLst>
+                <a:ext uri="{FF2B5EF4-FFF2-40B4-BE49-F238E27FC236}">
+                  <a16:creationId xmlns:a16="http://schemas.microsoft.com/office/drawing/2014/main" id="{EA610786-E9E0-1B4C-BAC0-66144B5085A1}"/>
+                </a:ext>
+              </a:extLst>
+            </p:cNvPr>
+            <p:cNvCxnSpPr>
+              <a:cxnSpLocks/>
+            </p:cNvCxnSpPr>
+            <p:nvPr/>
+          </p:nvCxnSpPr>
+          <p:spPr>
+            <a:xfrm flipH="1" flipV="1">
+              <a:off x="4384713" y="1663548"/>
+              <a:ext cx="1630497" cy="418640"/>
+            </a:xfrm>
+            <a:prstGeom prst="straightConnector1">
+              <a:avLst/>
+            </a:prstGeom>
+            <a:ln>
+              <a:tailEnd type="triangle"/>
+            </a:ln>
+          </p:spPr>
+          <p:style>
+            <a:lnRef idx="3">
+              <a:schemeClr val="accent1"/>
+            </a:lnRef>
+            <a:fillRef idx="0">
+              <a:schemeClr val="accent1"/>
+            </a:fillRef>
+            <a:effectRef idx="2">
+              <a:schemeClr val="accent1"/>
+            </a:effectRef>
+            <a:fontRef idx="minor">
+              <a:schemeClr val="tx1"/>
+            </a:fontRef>
+          </p:style>
+        </p:cxnSp>
+        <p:cxnSp>
+          <p:nvCxnSpPr>
+            <p:cNvPr id="8" name="Straight Arrow Connector 7">
+              <a:extLst>
+                <a:ext uri="{FF2B5EF4-FFF2-40B4-BE49-F238E27FC236}">
+                  <a16:creationId xmlns:a16="http://schemas.microsoft.com/office/drawing/2014/main" id="{6380E984-58D4-F542-A2B8-DE0707DF8A77}"/>
+                </a:ext>
+              </a:extLst>
+            </p:cNvPr>
+            <p:cNvCxnSpPr>
+              <a:cxnSpLocks/>
+            </p:cNvCxnSpPr>
+            <p:nvPr/>
+          </p:nvCxnSpPr>
+          <p:spPr>
+            <a:xfrm flipH="1">
+              <a:off x="4384714" y="2082188"/>
+              <a:ext cx="1630496" cy="304800"/>
+            </a:xfrm>
+            <a:prstGeom prst="straightConnector1">
+              <a:avLst/>
+            </a:prstGeom>
+            <a:ln>
+              <a:tailEnd type="triangle"/>
+            </a:ln>
+          </p:spPr>
+          <p:style>
+            <a:lnRef idx="3">
+              <a:schemeClr val="accent1"/>
+            </a:lnRef>
+            <a:fillRef idx="0">
+              <a:schemeClr val="accent1"/>
+            </a:fillRef>
+            <a:effectRef idx="2">
+              <a:schemeClr val="accent1"/>
+            </a:effectRef>
+            <a:fontRef idx="minor">
+              <a:schemeClr val="tx1"/>
+            </a:fontRef>
+          </p:style>
+        </p:cxnSp>
+        <p:cxnSp>
+          <p:nvCxnSpPr>
+            <p:cNvPr id="9" name="Straight Arrow Connector 8">
+              <a:extLst>
+                <a:ext uri="{FF2B5EF4-FFF2-40B4-BE49-F238E27FC236}">
+                  <a16:creationId xmlns:a16="http://schemas.microsoft.com/office/drawing/2014/main" id="{686DE551-8588-894B-8071-F7792F71B750}"/>
+                </a:ext>
+              </a:extLst>
+            </p:cNvPr>
+            <p:cNvCxnSpPr>
+              <a:cxnSpLocks/>
+            </p:cNvCxnSpPr>
+            <p:nvPr/>
+          </p:nvCxnSpPr>
+          <p:spPr>
+            <a:xfrm flipH="1">
+              <a:off x="4384714" y="2082188"/>
+              <a:ext cx="1630496" cy="523302"/>
+            </a:xfrm>
+            <a:prstGeom prst="straightConnector1">
+              <a:avLst/>
+            </a:prstGeom>
+            <a:ln>
+              <a:tailEnd type="triangle"/>
+            </a:ln>
+          </p:spPr>
+          <p:style>
+            <a:lnRef idx="3">
+              <a:schemeClr val="accent1"/>
+            </a:lnRef>
+            <a:fillRef idx="0">
+              <a:schemeClr val="accent1"/>
+            </a:fillRef>
+            <a:effectRef idx="2">
+              <a:schemeClr val="accent1"/>
+            </a:effectRef>
+            <a:fontRef idx="minor">
+              <a:schemeClr val="tx1"/>
+            </a:fontRef>
+          </p:style>
+        </p:cxnSp>
+        <p:cxnSp>
+          <p:nvCxnSpPr>
+            <p:cNvPr id="10" name="Straight Arrow Connector 9">
+              <a:extLst>
+                <a:ext uri="{FF2B5EF4-FFF2-40B4-BE49-F238E27FC236}">
+                  <a16:creationId xmlns:a16="http://schemas.microsoft.com/office/drawing/2014/main" id="{9CA7AA95-851B-B545-82AA-94EE41B69FD4}"/>
+                </a:ext>
+              </a:extLst>
+            </p:cNvPr>
+            <p:cNvCxnSpPr>
+              <a:cxnSpLocks/>
+            </p:cNvCxnSpPr>
+            <p:nvPr/>
+          </p:nvCxnSpPr>
+          <p:spPr>
+            <a:xfrm flipH="1">
+              <a:off x="4303924" y="2082188"/>
+              <a:ext cx="1711286" cy="1501966"/>
+            </a:xfrm>
+            <a:prstGeom prst="straightConnector1">
+              <a:avLst/>
+            </a:prstGeom>
+            <a:ln>
+              <a:tailEnd type="triangle"/>
+            </a:ln>
+          </p:spPr>
+          <p:style>
+            <a:lnRef idx="3">
+              <a:schemeClr val="accent1"/>
+            </a:lnRef>
+            <a:fillRef idx="0">
+              <a:schemeClr val="accent1"/>
+            </a:fillRef>
+            <a:effectRef idx="2">
+              <a:schemeClr val="accent1"/>
+            </a:effectRef>
+            <a:fontRef idx="minor">
+              <a:schemeClr val="tx1"/>
+            </a:fontRef>
+          </p:style>
+        </p:cxnSp>
+        <p:cxnSp>
+          <p:nvCxnSpPr>
+            <p:cNvPr id="11" name="Straight Arrow Connector 10">
+              <a:extLst>
+                <a:ext uri="{FF2B5EF4-FFF2-40B4-BE49-F238E27FC236}">
+                  <a16:creationId xmlns:a16="http://schemas.microsoft.com/office/drawing/2014/main" id="{11C3F864-0509-6242-8C7A-F6CF15EA0366}"/>
+                </a:ext>
+              </a:extLst>
+            </p:cNvPr>
+            <p:cNvCxnSpPr>
+              <a:cxnSpLocks/>
+            </p:cNvCxnSpPr>
+            <p:nvPr/>
+          </p:nvCxnSpPr>
+          <p:spPr>
+            <a:xfrm flipH="1">
+              <a:off x="4384713" y="2469614"/>
+              <a:ext cx="2274985" cy="383755"/>
+            </a:xfrm>
+            <a:prstGeom prst="straightConnector1">
+              <a:avLst/>
+            </a:prstGeom>
+            <a:ln>
+              <a:tailEnd type="triangle"/>
+            </a:ln>
+          </p:spPr>
+          <p:style>
+            <a:lnRef idx="3">
+              <a:schemeClr val="accent2"/>
+            </a:lnRef>
+            <a:fillRef idx="0">
+              <a:schemeClr val="accent2"/>
+            </a:fillRef>
+            <a:effectRef idx="2">
+              <a:schemeClr val="accent2"/>
+            </a:effectRef>
+            <a:fontRef idx="minor">
+              <a:schemeClr val="tx1"/>
+            </a:fontRef>
+          </p:style>
+        </p:cxnSp>
+        <p:cxnSp>
+          <p:nvCxnSpPr>
+            <p:cNvPr id="12" name="Straight Arrow Connector 11">
+              <a:extLst>
+                <a:ext uri="{FF2B5EF4-FFF2-40B4-BE49-F238E27FC236}">
+                  <a16:creationId xmlns:a16="http://schemas.microsoft.com/office/drawing/2014/main" id="{CDE269A8-CF7E-CD46-BA5F-01A1E091C874}"/>
+                </a:ext>
+              </a:extLst>
+            </p:cNvPr>
+            <p:cNvCxnSpPr>
+              <a:cxnSpLocks/>
+            </p:cNvCxnSpPr>
+            <p:nvPr/>
+          </p:nvCxnSpPr>
+          <p:spPr>
+            <a:xfrm flipH="1">
+              <a:off x="4384714" y="2469614"/>
+              <a:ext cx="2274984" cy="736294"/>
+            </a:xfrm>
+            <a:prstGeom prst="straightConnector1">
+              <a:avLst/>
+            </a:prstGeom>
+            <a:ln>
+              <a:tailEnd type="triangle"/>
+            </a:ln>
+          </p:spPr>
+          <p:style>
+            <a:lnRef idx="3">
+              <a:schemeClr val="accent2"/>
+            </a:lnRef>
+            <a:fillRef idx="0">
+              <a:schemeClr val="accent2"/>
+            </a:fillRef>
+            <a:effectRef idx="2">
+              <a:schemeClr val="accent2"/>
+            </a:effectRef>
+            <a:fontRef idx="minor">
+              <a:schemeClr val="tx1"/>
+            </a:fontRef>
+          </p:style>
+        </p:cxnSp>
+        <p:cxnSp>
+          <p:nvCxnSpPr>
+            <p:cNvPr id="20" name="Straight Arrow Connector 19">
+              <a:extLst>
+                <a:ext uri="{FF2B5EF4-FFF2-40B4-BE49-F238E27FC236}">
+                  <a16:creationId xmlns:a16="http://schemas.microsoft.com/office/drawing/2014/main" id="{0B655FD7-023F-7444-9047-4E80719B31BF}"/>
+                </a:ext>
+              </a:extLst>
+            </p:cNvPr>
+            <p:cNvCxnSpPr>
+              <a:cxnSpLocks/>
+            </p:cNvCxnSpPr>
+            <p:nvPr/>
+          </p:nvCxnSpPr>
+          <p:spPr>
+            <a:xfrm flipH="1">
+              <a:off x="4384714" y="3899971"/>
+              <a:ext cx="2577946" cy="1199003"/>
+            </a:xfrm>
+            <a:prstGeom prst="straightConnector1">
+              <a:avLst/>
+            </a:prstGeom>
+            <a:ln>
+              <a:tailEnd type="triangle"/>
+            </a:ln>
+          </p:spPr>
+          <p:style>
+            <a:lnRef idx="3">
+              <a:schemeClr val="accent3"/>
+            </a:lnRef>
+            <a:fillRef idx="0">
+              <a:schemeClr val="accent3"/>
+            </a:fillRef>
+            <a:effectRef idx="2">
+              <a:schemeClr val="accent3"/>
+            </a:effectRef>
+            <a:fontRef idx="minor">
+              <a:schemeClr val="tx1"/>
+            </a:fontRef>
+          </p:style>
+        </p:cxnSp>
+        <p:cxnSp>
+          <p:nvCxnSpPr>
+            <p:cNvPr id="21" name="Straight Arrow Connector 20">
+              <a:extLst>
+                <a:ext uri="{FF2B5EF4-FFF2-40B4-BE49-F238E27FC236}">
+                  <a16:creationId xmlns:a16="http://schemas.microsoft.com/office/drawing/2014/main" id="{F71C3E0A-F58D-8647-9A76-39F14325C6C5}"/>
+                </a:ext>
+              </a:extLst>
+            </p:cNvPr>
+            <p:cNvCxnSpPr>
+              <a:cxnSpLocks/>
+            </p:cNvCxnSpPr>
+            <p:nvPr/>
+          </p:nvCxnSpPr>
+          <p:spPr>
+            <a:xfrm flipH="1">
+              <a:off x="4384714" y="4057879"/>
+              <a:ext cx="2168487" cy="642651"/>
+            </a:xfrm>
+            <a:prstGeom prst="straightConnector1">
+              <a:avLst/>
+            </a:prstGeom>
+            <a:ln>
+              <a:tailEnd type="triangle"/>
+            </a:ln>
+          </p:spPr>
+          <p:style>
+            <a:lnRef idx="3">
+              <a:schemeClr val="accent6"/>
+            </a:lnRef>
+            <a:fillRef idx="0">
+              <a:schemeClr val="accent6"/>
+            </a:fillRef>
+            <a:effectRef idx="2">
+              <a:schemeClr val="accent6"/>
+            </a:effectRef>
+            <a:fontRef idx="minor">
+              <a:schemeClr val="tx1"/>
+            </a:fontRef>
+          </p:style>
+        </p:cxnSp>
+        <p:cxnSp>
+          <p:nvCxnSpPr>
+            <p:cNvPr id="22" name="Straight Arrow Connector 21">
+              <a:extLst>
+                <a:ext uri="{FF2B5EF4-FFF2-40B4-BE49-F238E27FC236}">
+                  <a16:creationId xmlns:a16="http://schemas.microsoft.com/office/drawing/2014/main" id="{F37C7F1A-E095-F545-A92B-4A076FA741FE}"/>
+                </a:ext>
+              </a:extLst>
+            </p:cNvPr>
+            <p:cNvCxnSpPr>
+              <a:cxnSpLocks/>
+            </p:cNvCxnSpPr>
+            <p:nvPr/>
+          </p:nvCxnSpPr>
+          <p:spPr>
+            <a:xfrm flipH="1">
+              <a:off x="4384714" y="4057879"/>
+              <a:ext cx="2168487" cy="277259"/>
+            </a:xfrm>
+            <a:prstGeom prst="straightConnector1">
+              <a:avLst/>
+            </a:prstGeom>
+            <a:ln>
+              <a:tailEnd type="triangle"/>
+            </a:ln>
+          </p:spPr>
+          <p:style>
+            <a:lnRef idx="3">
+              <a:schemeClr val="accent6"/>
+            </a:lnRef>
+            <a:fillRef idx="0">
+              <a:schemeClr val="accent6"/>
+            </a:fillRef>
+            <a:effectRef idx="2">
+              <a:schemeClr val="accent6"/>
+            </a:effectRef>
+            <a:fontRef idx="minor">
+              <a:schemeClr val="tx1"/>
+            </a:fontRef>
+          </p:style>
+        </p:cxnSp>
+        <p:cxnSp>
+          <p:nvCxnSpPr>
+            <p:cNvPr id="23" name="Straight Arrow Connector 22">
+              <a:extLst>
+                <a:ext uri="{FF2B5EF4-FFF2-40B4-BE49-F238E27FC236}">
+                  <a16:creationId xmlns:a16="http://schemas.microsoft.com/office/drawing/2014/main" id="{AD5998C8-E34F-C04E-A2B9-B168B2240AFF}"/>
+                </a:ext>
+              </a:extLst>
+            </p:cNvPr>
+            <p:cNvCxnSpPr>
+              <a:cxnSpLocks/>
+            </p:cNvCxnSpPr>
+            <p:nvPr/>
+          </p:nvCxnSpPr>
+          <p:spPr>
+            <a:xfrm flipH="1">
+              <a:off x="4384713" y="4057879"/>
+              <a:ext cx="2168488" cy="0"/>
+            </a:xfrm>
+            <a:prstGeom prst="straightConnector1">
+              <a:avLst/>
+            </a:prstGeom>
+            <a:ln>
+              <a:tailEnd type="triangle"/>
+            </a:ln>
+          </p:spPr>
+          <p:style>
+            <a:lnRef idx="3">
+              <a:schemeClr val="accent6"/>
+            </a:lnRef>
+            <a:fillRef idx="0">
+              <a:schemeClr val="accent6"/>
+            </a:fillRef>
+            <a:effectRef idx="2">
+              <a:schemeClr val="accent6"/>
+            </a:effectRef>
+            <a:fontRef idx="minor">
+              <a:schemeClr val="tx1"/>
+            </a:fontRef>
+          </p:style>
+        </p:cxnSp>
+        <p:cxnSp>
+          <p:nvCxnSpPr>
+            <p:cNvPr id="28" name="Straight Arrow Connector 27">
+              <a:extLst>
+                <a:ext uri="{FF2B5EF4-FFF2-40B4-BE49-F238E27FC236}">
+                  <a16:creationId xmlns:a16="http://schemas.microsoft.com/office/drawing/2014/main" id="{0BBE2F4D-473F-CB4F-98A5-17E0B817D85D}"/>
+                </a:ext>
+              </a:extLst>
+            </p:cNvPr>
+            <p:cNvCxnSpPr>
+              <a:cxnSpLocks/>
+            </p:cNvCxnSpPr>
+            <p:nvPr/>
+          </p:nvCxnSpPr>
+          <p:spPr>
+            <a:xfrm flipH="1" flipV="1">
+              <a:off x="4384714" y="3918334"/>
+              <a:ext cx="2577946" cy="458"/>
+            </a:xfrm>
+            <a:prstGeom prst="straightConnector1">
+              <a:avLst/>
+            </a:prstGeom>
+            <a:ln>
+              <a:tailEnd type="triangle"/>
+            </a:ln>
+          </p:spPr>
+          <p:style>
+            <a:lnRef idx="3">
+              <a:schemeClr val="accent3"/>
+            </a:lnRef>
+            <a:fillRef idx="0">
+              <a:schemeClr val="accent3"/>
+            </a:fillRef>
+            <a:effectRef idx="2">
+              <a:schemeClr val="accent3"/>
+            </a:effectRef>
+            <a:fontRef idx="minor">
+              <a:schemeClr val="tx1"/>
+            </a:fontRef>
+          </p:style>
+        </p:cxnSp>
+        <p:cxnSp>
+          <p:nvCxnSpPr>
+            <p:cNvPr id="29" name="Straight Arrow Connector 28">
+              <a:extLst>
+                <a:ext uri="{FF2B5EF4-FFF2-40B4-BE49-F238E27FC236}">
+                  <a16:creationId xmlns:a16="http://schemas.microsoft.com/office/drawing/2014/main" id="{E6E7AC54-28A6-6D4F-9CCD-9349E947470F}"/>
+                </a:ext>
+              </a:extLst>
+            </p:cNvPr>
+            <p:cNvCxnSpPr>
+              <a:cxnSpLocks/>
+            </p:cNvCxnSpPr>
+            <p:nvPr/>
+          </p:nvCxnSpPr>
+          <p:spPr>
+            <a:xfrm flipH="1">
+              <a:off x="4380126" y="3918333"/>
+              <a:ext cx="2582534" cy="1624528"/>
+            </a:xfrm>
+            <a:prstGeom prst="straightConnector1">
+              <a:avLst/>
+            </a:prstGeom>
+            <a:ln>
+              <a:tailEnd type="triangle"/>
+            </a:ln>
+          </p:spPr>
+          <p:style>
+            <a:lnRef idx="3">
+              <a:schemeClr val="accent3"/>
+            </a:lnRef>
+            <a:fillRef idx="0">
+              <a:schemeClr val="accent3"/>
+            </a:fillRef>
+            <a:effectRef idx="2">
+              <a:schemeClr val="accent3"/>
+            </a:effectRef>
+            <a:fontRef idx="minor">
+              <a:schemeClr val="tx1"/>
+            </a:fontRef>
+          </p:style>
+        </p:cxnSp>
+        <p:cxnSp>
+          <p:nvCxnSpPr>
+            <p:cNvPr id="30" name="Straight Arrow Connector 29">
+              <a:extLst>
+                <a:ext uri="{FF2B5EF4-FFF2-40B4-BE49-F238E27FC236}">
+                  <a16:creationId xmlns:a16="http://schemas.microsoft.com/office/drawing/2014/main" id="{80221625-6C87-324F-9172-C4795FDAD202}"/>
+                </a:ext>
+              </a:extLst>
+            </p:cNvPr>
+            <p:cNvCxnSpPr>
+              <a:cxnSpLocks/>
+            </p:cNvCxnSpPr>
+            <p:nvPr/>
+          </p:nvCxnSpPr>
+          <p:spPr>
+            <a:xfrm flipH="1">
+              <a:off x="4380126" y="3899970"/>
+              <a:ext cx="2582534" cy="1789095"/>
+            </a:xfrm>
+            <a:prstGeom prst="straightConnector1">
+              <a:avLst/>
+            </a:prstGeom>
+            <a:ln>
+              <a:tailEnd type="triangle"/>
+            </a:ln>
+          </p:spPr>
+          <p:style>
+            <a:lnRef idx="3">
+              <a:schemeClr val="accent3"/>
+            </a:lnRef>
+            <a:fillRef idx="0">
+              <a:schemeClr val="accent3"/>
+            </a:fillRef>
+            <a:effectRef idx="2">
+              <a:schemeClr val="accent3"/>
+            </a:effectRef>
+            <a:fontRef idx="minor">
+              <a:schemeClr val="tx1"/>
+            </a:fontRef>
+          </p:style>
+        </p:cxnSp>
+        <p:sp>
+          <p:nvSpPr>
+            <p:cNvPr id="13" name="Oval 12">
+              <a:extLst>
+                <a:ext uri="{FF2B5EF4-FFF2-40B4-BE49-F238E27FC236}">
+                  <a16:creationId xmlns:a16="http://schemas.microsoft.com/office/drawing/2014/main" id="{6AAF36BA-32E8-6340-BBA3-CC82DE77566C}"/>
+                </a:ext>
+              </a:extLst>
+            </p:cNvPr>
+            <p:cNvSpPr/>
+            <p:nvPr/>
+          </p:nvSpPr>
+          <p:spPr>
+            <a:xfrm>
+              <a:off x="5581342" y="1798005"/>
+              <a:ext cx="304800" cy="696232"/>
+            </a:xfrm>
+            <a:prstGeom prst="ellipse">
+              <a:avLst/>
+            </a:prstGeom>
+            <a:noFill/>
+            <a:ln w="12700">
+              <a:solidFill>
+                <a:schemeClr val="accent1"/>
+              </a:solidFill>
+            </a:ln>
+          </p:spPr>
+          <p:style>
+            <a:lnRef idx="2">
+              <a:schemeClr val="accent1">
+                <a:shade val="50000"/>
+              </a:schemeClr>
+            </a:lnRef>
+            <a:fillRef idx="1">
+              <a:schemeClr val="accent1"/>
+            </a:fillRef>
+            <a:effectRef idx="0">
+              <a:schemeClr val="accent1"/>
+            </a:effectRef>
+            <a:fontRef idx="minor">
+              <a:schemeClr val="lt1"/>
+            </a:fontRef>
+          </p:style>
+          <p:txBody>
+            <a:bodyPr rtlCol="0" anchor="ctr"/>
+            <a:lstStyle/>
+            <a:p>
+              <a:pPr algn="ctr"/>
+              <a:endParaRPr lang="en-US"/>
+            </a:p>
+          </p:txBody>
+        </p:sp>
+        <p:sp>
+          <p:nvSpPr>
+            <p:cNvPr id="24" name="Oval 23">
+              <a:extLst>
+                <a:ext uri="{FF2B5EF4-FFF2-40B4-BE49-F238E27FC236}">
+                  <a16:creationId xmlns:a16="http://schemas.microsoft.com/office/drawing/2014/main" id="{082E3743-FBFF-A545-96D2-A359EB4B2B0E}"/>
+                </a:ext>
+              </a:extLst>
+            </p:cNvPr>
+            <p:cNvSpPr/>
+            <p:nvPr/>
+          </p:nvSpPr>
+          <p:spPr>
+            <a:xfrm>
+              <a:off x="6083147" y="2330527"/>
+              <a:ext cx="304800" cy="483396"/>
+            </a:xfrm>
+            <a:prstGeom prst="ellipse">
+              <a:avLst/>
+            </a:prstGeom>
+            <a:noFill/>
+            <a:ln w="12700">
+              <a:solidFill>
+                <a:schemeClr val="accent2"/>
+              </a:solidFill>
+            </a:ln>
+          </p:spPr>
+          <p:style>
+            <a:lnRef idx="2">
+              <a:schemeClr val="accent1">
+                <a:shade val="50000"/>
+              </a:schemeClr>
+            </a:lnRef>
+            <a:fillRef idx="1">
+              <a:schemeClr val="accent1"/>
+            </a:fillRef>
+            <a:effectRef idx="0">
+              <a:schemeClr val="accent1"/>
+            </a:effectRef>
+            <a:fontRef idx="minor">
+              <a:schemeClr val="lt1"/>
+            </a:fontRef>
+          </p:style>
+          <p:txBody>
+            <a:bodyPr rtlCol="0" anchor="ctr"/>
+            <a:lstStyle/>
+            <a:p>
+              <a:pPr algn="ctr"/>
+              <a:endParaRPr lang="en-US"/>
+            </a:p>
+          </p:txBody>
+        </p:sp>
+        <p:sp>
+          <p:nvSpPr>
+            <p:cNvPr id="26" name="Oval 25">
+              <a:extLst>
+                <a:ext uri="{FF2B5EF4-FFF2-40B4-BE49-F238E27FC236}">
+                  <a16:creationId xmlns:a16="http://schemas.microsoft.com/office/drawing/2014/main" id="{BF8E116F-D62D-CF4E-9E32-917A93E07FE1}"/>
+                </a:ext>
+              </a:extLst>
+            </p:cNvPr>
+            <p:cNvSpPr/>
+            <p:nvPr/>
+          </p:nvSpPr>
+          <p:spPr>
+            <a:xfrm>
+              <a:off x="5483412" y="3954810"/>
+              <a:ext cx="304800" cy="483396"/>
+            </a:xfrm>
+            <a:prstGeom prst="ellipse">
+              <a:avLst/>
+            </a:prstGeom>
+            <a:noFill/>
+            <a:ln w="12700">
+              <a:solidFill>
+                <a:schemeClr val="accent6"/>
+              </a:solidFill>
+            </a:ln>
+          </p:spPr>
+          <p:style>
+            <a:lnRef idx="2">
+              <a:schemeClr val="accent1">
+                <a:shade val="50000"/>
+              </a:schemeClr>
+            </a:lnRef>
+            <a:fillRef idx="1">
+              <a:schemeClr val="accent1"/>
+            </a:fillRef>
+            <a:effectRef idx="0">
+              <a:schemeClr val="accent1"/>
+            </a:effectRef>
+            <a:fontRef idx="minor">
+              <a:schemeClr val="lt1"/>
+            </a:fontRef>
+          </p:style>
+          <p:txBody>
+            <a:bodyPr rtlCol="0" anchor="ctr"/>
+            <a:lstStyle/>
+            <a:p>
+              <a:pPr algn="ctr"/>
+              <a:endParaRPr lang="en-US"/>
+            </a:p>
+          </p:txBody>
+        </p:sp>
+        <p:sp>
+          <p:nvSpPr>
+            <p:cNvPr id="27" name="Oval 26">
+              <a:extLst>
+                <a:ext uri="{FF2B5EF4-FFF2-40B4-BE49-F238E27FC236}">
+                  <a16:creationId xmlns:a16="http://schemas.microsoft.com/office/drawing/2014/main" id="{9CEC2C1B-CA61-564F-8708-BD3A73DE6BEE}"/>
+                </a:ext>
+              </a:extLst>
+            </p:cNvPr>
+            <p:cNvSpPr/>
+            <p:nvPr/>
+          </p:nvSpPr>
+          <p:spPr>
+            <a:xfrm>
+              <a:off x="6613948" y="3753767"/>
+              <a:ext cx="304800" cy="483396"/>
+            </a:xfrm>
+            <a:prstGeom prst="ellipse">
+              <a:avLst/>
+            </a:prstGeom>
+            <a:noFill/>
+            <a:ln w="12700">
+              <a:solidFill>
+                <a:schemeClr val="bg2">
+                  <a:lumMod val="75000"/>
+                </a:schemeClr>
+              </a:solidFill>
+            </a:ln>
+          </p:spPr>
+          <p:style>
+            <a:lnRef idx="2">
+              <a:schemeClr val="accent1">
+                <a:shade val="50000"/>
+              </a:schemeClr>
+            </a:lnRef>
+            <a:fillRef idx="1">
+              <a:schemeClr val="accent1"/>
+            </a:fillRef>
+            <a:effectRef idx="0">
+              <a:schemeClr val="accent1"/>
+            </a:effectRef>
+            <a:fontRef idx="minor">
+              <a:schemeClr val="lt1"/>
+            </a:fontRef>
+          </p:style>
+          <p:txBody>
+            <a:bodyPr rtlCol="0" anchor="ctr"/>
+            <a:lstStyle/>
+            <a:p>
+              <a:pPr algn="ctr"/>
+              <a:endParaRPr lang="en-US"/>
+            </a:p>
+          </p:txBody>
+        </p:sp>
+        <p:sp>
+          <p:nvSpPr>
+            <p:cNvPr id="14" name="TextBox 13">
+              <a:extLst>
+                <a:ext uri="{FF2B5EF4-FFF2-40B4-BE49-F238E27FC236}">
+                  <a16:creationId xmlns:a16="http://schemas.microsoft.com/office/drawing/2014/main" id="{ED0923E7-5E85-0141-8F0B-0CC6570BFA38}"/>
+                </a:ext>
+              </a:extLst>
+            </p:cNvPr>
+            <p:cNvSpPr txBox="1"/>
+            <p:nvPr/>
+          </p:nvSpPr>
+          <p:spPr>
+            <a:xfrm>
+              <a:off x="5552260" y="1583930"/>
+              <a:ext cx="543739" cy="276999"/>
+            </a:xfrm>
+            <a:prstGeom prst="rect">
+              <a:avLst/>
+            </a:prstGeom>
+            <a:noFill/>
+          </p:spPr>
+          <p:txBody>
+            <a:bodyPr wrap="square" rtlCol="0">
+              <a:spAutoFit/>
+            </a:bodyPr>
+            <a:lstStyle/>
+            <a:p>
+              <a:r>
+                <a:rPr lang="en-US" sz="1200" dirty="0"/>
+                <a:t>min</a:t>
+              </a:r>
+            </a:p>
+          </p:txBody>
+        </p:sp>
+        <p:sp>
+          <p:nvSpPr>
+            <p:cNvPr id="32" name="TextBox 31">
+              <a:extLst>
+                <a:ext uri="{FF2B5EF4-FFF2-40B4-BE49-F238E27FC236}">
+                  <a16:creationId xmlns:a16="http://schemas.microsoft.com/office/drawing/2014/main" id="{0E28E20A-B331-0C41-A96D-6A73FB349314}"/>
+                </a:ext>
+              </a:extLst>
+            </p:cNvPr>
+            <p:cNvSpPr txBox="1"/>
+            <p:nvPr/>
+          </p:nvSpPr>
+          <p:spPr>
+            <a:xfrm>
+              <a:off x="6342078" y="2466498"/>
+              <a:ext cx="543739" cy="276999"/>
+            </a:xfrm>
+            <a:prstGeom prst="rect">
+              <a:avLst/>
+            </a:prstGeom>
+            <a:noFill/>
+          </p:spPr>
+          <p:txBody>
+            <a:bodyPr wrap="square" rtlCol="0">
+              <a:spAutoFit/>
+            </a:bodyPr>
+            <a:lstStyle/>
+            <a:p>
+              <a:r>
+                <a:rPr lang="en-US" sz="1200" dirty="0"/>
+                <a:t>min</a:t>
+              </a:r>
+            </a:p>
+          </p:txBody>
+        </p:sp>
+        <p:sp>
+          <p:nvSpPr>
+            <p:cNvPr id="33" name="TextBox 32">
+              <a:extLst>
+                <a:ext uri="{FF2B5EF4-FFF2-40B4-BE49-F238E27FC236}">
+                  <a16:creationId xmlns:a16="http://schemas.microsoft.com/office/drawing/2014/main" id="{F65B0D44-6D91-2E4C-BE6A-23A8196CBD11}"/>
+                </a:ext>
+              </a:extLst>
+            </p:cNvPr>
+            <p:cNvSpPr txBox="1"/>
+            <p:nvPr/>
+          </p:nvSpPr>
+          <p:spPr>
+            <a:xfrm>
+              <a:off x="5399523" y="3642404"/>
+              <a:ext cx="543739" cy="276999"/>
+            </a:xfrm>
+            <a:prstGeom prst="rect">
+              <a:avLst/>
+            </a:prstGeom>
+            <a:noFill/>
+          </p:spPr>
+          <p:txBody>
+            <a:bodyPr wrap="square" rtlCol="0">
+              <a:spAutoFit/>
+            </a:bodyPr>
+            <a:lstStyle/>
+            <a:p>
+              <a:r>
+                <a:rPr lang="en-US" sz="1200" dirty="0"/>
+                <a:t>min</a:t>
+              </a:r>
+            </a:p>
+          </p:txBody>
+        </p:sp>
+        <p:sp>
+          <p:nvSpPr>
+            <p:cNvPr id="34" name="TextBox 33">
+              <a:extLst>
+                <a:ext uri="{FF2B5EF4-FFF2-40B4-BE49-F238E27FC236}">
+                  <a16:creationId xmlns:a16="http://schemas.microsoft.com/office/drawing/2014/main" id="{5F671658-8476-484D-952B-4A178F088566}"/>
+                </a:ext>
+              </a:extLst>
+            </p:cNvPr>
+            <p:cNvSpPr txBox="1"/>
+            <p:nvPr/>
+          </p:nvSpPr>
+          <p:spPr>
+            <a:xfrm>
+              <a:off x="6473329" y="3516606"/>
+              <a:ext cx="543739" cy="276999"/>
+            </a:xfrm>
+            <a:prstGeom prst="rect">
+              <a:avLst/>
+            </a:prstGeom>
+            <a:noFill/>
+          </p:spPr>
+          <p:txBody>
+            <a:bodyPr wrap="square" rtlCol="0">
+              <a:spAutoFit/>
+            </a:bodyPr>
+            <a:lstStyle/>
+            <a:p>
+              <a:r>
+                <a:rPr lang="en-US" sz="1200" dirty="0"/>
+                <a:t>min</a:t>
+              </a:r>
+            </a:p>
+          </p:txBody>
+        </p:sp>
+        <p:sp>
+          <p:nvSpPr>
+            <p:cNvPr id="36" name="TextBox 35">
+              <a:extLst>
+                <a:ext uri="{FF2B5EF4-FFF2-40B4-BE49-F238E27FC236}">
+                  <a16:creationId xmlns:a16="http://schemas.microsoft.com/office/drawing/2014/main" id="{2232207D-1170-9946-A77C-7F2AE394DC6E}"/>
+                </a:ext>
+              </a:extLst>
+            </p:cNvPr>
+            <p:cNvSpPr txBox="1"/>
+            <p:nvPr/>
+          </p:nvSpPr>
+          <p:spPr>
+            <a:xfrm>
+              <a:off x="5886142" y="2962550"/>
+              <a:ext cx="1400073" cy="461665"/>
+            </a:xfrm>
+            <a:prstGeom prst="rect">
+              <a:avLst/>
+            </a:prstGeom>
+            <a:noFill/>
+          </p:spPr>
+          <p:txBody>
+            <a:bodyPr wrap="square" rtlCol="0">
+              <a:spAutoFit/>
+            </a:bodyPr>
+            <a:lstStyle/>
+            <a:p>
+              <a:r>
+                <a:rPr lang="en-US" sz="1200" dirty="0"/>
+                <a:t>Average closest distance to road</a:t>
+              </a:r>
+            </a:p>
+          </p:txBody>
+        </p:sp>
+        <p:cxnSp>
+          <p:nvCxnSpPr>
+            <p:cNvPr id="16" name="Straight Arrow Connector 15">
+              <a:extLst>
+                <a:ext uri="{FF2B5EF4-FFF2-40B4-BE49-F238E27FC236}">
+                  <a16:creationId xmlns:a16="http://schemas.microsoft.com/office/drawing/2014/main" id="{3179B967-266B-334F-B571-4E95FDAED823}"/>
+                </a:ext>
+              </a:extLst>
+            </p:cNvPr>
+            <p:cNvCxnSpPr/>
+            <p:nvPr/>
+          </p:nvCxnSpPr>
+          <p:spPr>
+            <a:xfrm>
+              <a:off x="6342078" y="2731151"/>
+              <a:ext cx="45869" cy="212419"/>
+            </a:xfrm>
+            <a:prstGeom prst="straightConnector1">
+              <a:avLst/>
+            </a:prstGeom>
+            <a:ln>
+              <a:solidFill>
+                <a:schemeClr val="tx1"/>
+              </a:solidFill>
+              <a:tailEnd type="triangle"/>
+            </a:ln>
+          </p:spPr>
+          <p:style>
+            <a:lnRef idx="1">
+              <a:schemeClr val="accent1"/>
+            </a:lnRef>
+            <a:fillRef idx="0">
+              <a:schemeClr val="accent1"/>
+            </a:fillRef>
+            <a:effectRef idx="0">
+              <a:schemeClr val="accent1"/>
+            </a:effectRef>
+            <a:fontRef idx="minor">
+              <a:schemeClr val="tx1"/>
+            </a:fontRef>
+          </p:style>
+        </p:cxnSp>
+        <p:cxnSp>
+          <p:nvCxnSpPr>
+            <p:cNvPr id="37" name="Straight Arrow Connector 36">
+              <a:extLst>
+                <a:ext uri="{FF2B5EF4-FFF2-40B4-BE49-F238E27FC236}">
+                  <a16:creationId xmlns:a16="http://schemas.microsoft.com/office/drawing/2014/main" id="{051EE8B5-798D-8C49-80BC-DE3182709563}"/>
+                </a:ext>
+              </a:extLst>
+            </p:cNvPr>
+            <p:cNvCxnSpPr>
+              <a:cxnSpLocks/>
+            </p:cNvCxnSpPr>
+            <p:nvPr/>
+          </p:nvCxnSpPr>
+          <p:spPr>
+            <a:xfrm>
+              <a:off x="5857028" y="2457048"/>
+              <a:ext cx="82378" cy="550789"/>
+            </a:xfrm>
+            <a:prstGeom prst="straightConnector1">
+              <a:avLst/>
+            </a:prstGeom>
+            <a:ln>
+              <a:solidFill>
+                <a:schemeClr val="tx1"/>
+              </a:solidFill>
+              <a:tailEnd type="triangle"/>
+            </a:ln>
+          </p:spPr>
+          <p:style>
+            <a:lnRef idx="1">
+              <a:schemeClr val="accent1"/>
+            </a:lnRef>
+            <a:fillRef idx="0">
+              <a:schemeClr val="accent1"/>
+            </a:fillRef>
+            <a:effectRef idx="0">
+              <a:schemeClr val="accent1"/>
+            </a:effectRef>
+            <a:fontRef idx="minor">
+              <a:schemeClr val="tx1"/>
+            </a:fontRef>
+          </p:style>
+        </p:cxnSp>
+        <p:cxnSp>
+          <p:nvCxnSpPr>
+            <p:cNvPr id="38" name="Straight Arrow Connector 37">
+              <a:extLst>
+                <a:ext uri="{FF2B5EF4-FFF2-40B4-BE49-F238E27FC236}">
+                  <a16:creationId xmlns:a16="http://schemas.microsoft.com/office/drawing/2014/main" id="{53D59D9D-981C-4B47-B58F-82CE4A9085A4}"/>
+                </a:ext>
+              </a:extLst>
+            </p:cNvPr>
+            <p:cNvCxnSpPr>
+              <a:cxnSpLocks/>
+              <a:stCxn id="26" idx="7"/>
+            </p:cNvCxnSpPr>
+            <p:nvPr/>
+          </p:nvCxnSpPr>
+          <p:spPr>
+            <a:xfrm flipV="1">
+              <a:off x="5743575" y="3395032"/>
+              <a:ext cx="361760" cy="630570"/>
+            </a:xfrm>
+            <a:prstGeom prst="straightConnector1">
+              <a:avLst/>
+            </a:prstGeom>
+            <a:ln>
+              <a:solidFill>
+                <a:schemeClr val="tx1"/>
+              </a:solidFill>
+              <a:tailEnd type="triangle"/>
+            </a:ln>
+          </p:spPr>
+          <p:style>
+            <a:lnRef idx="1">
+              <a:schemeClr val="accent1"/>
+            </a:lnRef>
+            <a:fillRef idx="0">
+              <a:schemeClr val="accent1"/>
+            </a:fillRef>
+            <a:effectRef idx="0">
+              <a:schemeClr val="accent1"/>
+            </a:effectRef>
+            <a:fontRef idx="minor">
+              <a:schemeClr val="tx1"/>
+            </a:fontRef>
+          </p:style>
+        </p:cxnSp>
+        <p:cxnSp>
+          <p:nvCxnSpPr>
+            <p:cNvPr id="39" name="Straight Arrow Connector 38">
+              <a:extLst>
+                <a:ext uri="{FF2B5EF4-FFF2-40B4-BE49-F238E27FC236}">
+                  <a16:creationId xmlns:a16="http://schemas.microsoft.com/office/drawing/2014/main" id="{71641E5A-76D4-4540-AF67-9C9A88D59E01}"/>
+                </a:ext>
+              </a:extLst>
+            </p:cNvPr>
+            <p:cNvCxnSpPr>
+              <a:cxnSpLocks/>
+            </p:cNvCxnSpPr>
+            <p:nvPr/>
+          </p:nvCxnSpPr>
+          <p:spPr>
+            <a:xfrm flipH="1" flipV="1">
+              <a:off x="6805740" y="3341394"/>
+              <a:ext cx="80077" cy="430735"/>
+            </a:xfrm>
+            <a:prstGeom prst="straightConnector1">
+              <a:avLst/>
+            </a:prstGeom>
+            <a:ln>
+              <a:solidFill>
+                <a:schemeClr val="tx1"/>
+              </a:solidFill>
+              <a:tailEnd type="triangle"/>
+            </a:ln>
+          </p:spPr>
+          <p:style>
+            <a:lnRef idx="1">
+              <a:schemeClr val="accent1"/>
+            </a:lnRef>
+            <a:fillRef idx="0">
+              <a:schemeClr val="accent1"/>
+            </a:fillRef>
+            <a:effectRef idx="0">
+              <a:schemeClr val="accent1"/>
+            </a:effectRef>
+            <a:fontRef idx="minor">
+              <a:schemeClr val="tx1"/>
+            </a:fontRef>
+          </p:style>
+        </p:cxnSp>
+        <p:sp>
+          <p:nvSpPr>
+            <p:cNvPr id="41" name="Rectangle 40">
+              <a:extLst>
+                <a:ext uri="{FF2B5EF4-FFF2-40B4-BE49-F238E27FC236}">
+                  <a16:creationId xmlns:a16="http://schemas.microsoft.com/office/drawing/2014/main" id="{F23279DB-978A-3E43-814F-6F1B916162AE}"/>
+                </a:ext>
+              </a:extLst>
+            </p:cNvPr>
+            <p:cNvSpPr/>
+            <p:nvPr/>
+          </p:nvSpPr>
+          <p:spPr>
+            <a:xfrm>
+              <a:off x="5939406" y="2991590"/>
+              <a:ext cx="1064344" cy="382631"/>
+            </a:xfrm>
+            <a:prstGeom prst="rect">
+              <a:avLst/>
+            </a:prstGeom>
+            <a:noFill/>
+          </p:spPr>
+          <p:style>
+            <a:lnRef idx="2">
+              <a:schemeClr val="accent1">
+                <a:shade val="50000"/>
+              </a:schemeClr>
+            </a:lnRef>
+            <a:fillRef idx="1">
+              <a:schemeClr val="accent1"/>
+            </a:fillRef>
+            <a:effectRef idx="0">
+              <a:schemeClr val="accent1"/>
+            </a:effectRef>
+            <a:fontRef idx="minor">
+              <a:schemeClr val="lt1"/>
+            </a:fontRef>
+          </p:style>
+          <p:txBody>
+            <a:bodyPr rtlCol="0" anchor="ctr"/>
+            <a:lstStyle/>
+            <a:p>
+              <a:pPr algn="ctr"/>
+              <a:endParaRPr lang="en-US"/>
+            </a:p>
+          </p:txBody>
+        </p:sp>
+      </p:grpSp>
+    </p:spTree>
+    <p:extLst>
+      <p:ext uri="{BB962C8B-B14F-4D97-AF65-F5344CB8AC3E}">
+        <p14:creationId xmlns:p14="http://schemas.microsoft.com/office/powerpoint/2010/main" val="1924902137"/>
+      </p:ext>
+    </p:extLst>
+  </p:cSld>
+  <p:clrMapOvr>
+    <a:masterClrMapping/>
+  </p:clrMapOvr>
+</p:sld>
+</file>
+
 <file path=ppt/slides/slide2.xml><?xml version="1.0" encoding="utf-8"?>
 <p:sld xmlns:a="http://schemas.openxmlformats.org/drawingml/2006/main" xmlns:r="http://schemas.openxmlformats.org/officeDocument/2006/relationships" xmlns:p="http://schemas.openxmlformats.org/presentationml/2006/main">
   <p:cSld>
@@ -6420,70 +7710,14 @@
         <p:spPr>
           <a:xfrm>
             <a:off x="838200" y="1520825"/>
-            <a:ext cx="10515600" cy="4351338"/>
+            <a:ext cx="10515600" cy="4782994"/>
           </a:xfrm>
         </p:spPr>
         <p:txBody>
           <a:bodyPr>
-            <a:normAutofit fontScale="92500" lnSpcReduction="20000"/>
+            <a:normAutofit/>
           </a:bodyPr>
           <a:lstStyle/>
-          <a:p>
-            <a:pPr algn="just"/>
-            <a:r>
-              <a:rPr lang="en-US" dirty="0"/>
-              <a:t>Noise Pollution refers to excessive amounts of noise that interfere with the natural bio-rhythms of everyday life. </a:t>
-            </a:r>
-          </a:p>
-          <a:p>
-            <a:pPr algn="just"/>
-            <a:r>
-              <a:rPr lang="en-US" dirty="0" err="1"/>
-              <a:t>Spacemaker</a:t>
-            </a:r>
-            <a:r>
-              <a:rPr lang="en-US" dirty="0"/>
-              <a:t> AI developed technology to discover smarter ways to maximize building potential</a:t>
-            </a:r>
-          </a:p>
-          <a:p>
-            <a:pPr algn="just"/>
-            <a:r>
-              <a:rPr lang="en-US" dirty="0"/>
-              <a:t>At </a:t>
-            </a:r>
-            <a:r>
-              <a:rPr lang="en-US" dirty="0" err="1"/>
-              <a:t>Spacemaker</a:t>
-            </a:r>
-            <a:r>
-              <a:rPr lang="en-US" dirty="0"/>
-              <a:t> AI, noise pollution is an important aspect of urban design. A challenge for noise calculation is high computational demand limits, hence surrogate models are important research topics. </a:t>
-            </a:r>
-          </a:p>
-          <a:p>
-            <a:pPr algn="just"/>
-            <a:r>
-              <a:rPr lang="en-US" dirty="0"/>
-              <a:t>This project researches noise surrogate models</a:t>
-            </a:r>
-          </a:p>
-          <a:p>
-            <a:endParaRPr lang="en-US" dirty="0"/>
-          </a:p>
-          <a:p>
-            <a:r>
-              <a:rPr lang="en-US" dirty="0"/>
-              <a:t>Project Goal:</a:t>
-            </a:r>
-          </a:p>
-          <a:p>
-            <a:pPr lvl="1"/>
-            <a:r>
-              <a:rPr lang="en-US" dirty="0"/>
-              <a:t>Develop noise surrogate models to predict fraction of outdoor ground area in yellow zone of a  test site.</a:t>
-            </a:r>
-          </a:p>
           <a:p>
             <a:pPr lvl="1"/>
             <a:endParaRPr lang="en-US" dirty="0"/>
@@ -6491,6 +7725,319 @@
           <a:p>
             <a:pPr lvl="1"/>
             <a:endParaRPr lang="en-US" dirty="0"/>
+          </a:p>
+          <a:p>
+            <a:endParaRPr lang="en-US" dirty="0"/>
+          </a:p>
+        </p:txBody>
+      </p:sp>
+      <p:sp>
+        <p:nvSpPr>
+          <p:cNvPr id="6" name="Content Placeholder 2">
+            <a:extLst>
+              <a:ext uri="{FF2B5EF4-FFF2-40B4-BE49-F238E27FC236}">
+                <a16:creationId xmlns:a16="http://schemas.microsoft.com/office/drawing/2014/main" id="{B368F049-8810-BC41-813A-9A5517F5F3C7}"/>
+              </a:ext>
+            </a:extLst>
+          </p:cNvPr>
+          <p:cNvSpPr txBox="1">
+            <a:spLocks/>
+          </p:cNvSpPr>
+          <p:nvPr/>
+        </p:nvSpPr>
+        <p:spPr>
+          <a:xfrm>
+            <a:off x="838200" y="1825625"/>
+            <a:ext cx="10515600" cy="4667250"/>
+          </a:xfrm>
+          <a:prstGeom prst="rect">
+            <a:avLst/>
+          </a:prstGeom>
+        </p:spPr>
+        <p:txBody>
+          <a:bodyPr vert="horz" lIns="91440" tIns="45720" rIns="91440" bIns="45720" rtlCol="0">
+            <a:normAutofit lnSpcReduction="10000"/>
+          </a:bodyPr>
+          <a:lstStyle>
+            <a:lvl1pPr marL="228600" indent="-228600" algn="l" defTabSz="914400" rtl="0" eaLnBrk="1" latinLnBrk="0" hangingPunct="1">
+              <a:lnSpc>
+                <a:spcPct val="90000"/>
+              </a:lnSpc>
+              <a:spcBef>
+                <a:spcPts val="1000"/>
+              </a:spcBef>
+              <a:buFont typeface="Arial" panose="020B0604020202020204" pitchFamily="34" charset="0"/>
+              <a:buChar char="•"/>
+              <a:defRPr sz="2800" kern="1200">
+                <a:solidFill>
+                  <a:schemeClr val="tx1"/>
+                </a:solidFill>
+                <a:latin typeface="+mn-lt"/>
+                <a:ea typeface="+mn-ea"/>
+                <a:cs typeface="+mn-cs"/>
+              </a:defRPr>
+            </a:lvl1pPr>
+            <a:lvl2pPr marL="685800" indent="-228600" algn="l" defTabSz="914400" rtl="0" eaLnBrk="1" latinLnBrk="0" hangingPunct="1">
+              <a:lnSpc>
+                <a:spcPct val="90000"/>
+              </a:lnSpc>
+              <a:spcBef>
+                <a:spcPts val="500"/>
+              </a:spcBef>
+              <a:buFont typeface="Arial" panose="020B0604020202020204" pitchFamily="34" charset="0"/>
+              <a:buChar char="•"/>
+              <a:defRPr sz="2400" kern="1200">
+                <a:solidFill>
+                  <a:schemeClr val="tx1"/>
+                </a:solidFill>
+                <a:latin typeface="+mn-lt"/>
+                <a:ea typeface="+mn-ea"/>
+                <a:cs typeface="+mn-cs"/>
+              </a:defRPr>
+            </a:lvl2pPr>
+            <a:lvl3pPr marL="1143000" indent="-228600" algn="l" defTabSz="914400" rtl="0" eaLnBrk="1" latinLnBrk="0" hangingPunct="1">
+              <a:lnSpc>
+                <a:spcPct val="90000"/>
+              </a:lnSpc>
+              <a:spcBef>
+                <a:spcPts val="500"/>
+              </a:spcBef>
+              <a:buFont typeface="Arial" panose="020B0604020202020204" pitchFamily="34" charset="0"/>
+              <a:buChar char="•"/>
+              <a:defRPr sz="2000" kern="1200">
+                <a:solidFill>
+                  <a:schemeClr val="tx1"/>
+                </a:solidFill>
+                <a:latin typeface="+mn-lt"/>
+                <a:ea typeface="+mn-ea"/>
+                <a:cs typeface="+mn-cs"/>
+              </a:defRPr>
+            </a:lvl3pPr>
+            <a:lvl4pPr marL="1600200" indent="-228600" algn="l" defTabSz="914400" rtl="0" eaLnBrk="1" latinLnBrk="0" hangingPunct="1">
+              <a:lnSpc>
+                <a:spcPct val="90000"/>
+              </a:lnSpc>
+              <a:spcBef>
+                <a:spcPts val="500"/>
+              </a:spcBef>
+              <a:buFont typeface="Arial" panose="020B0604020202020204" pitchFamily="34" charset="0"/>
+              <a:buChar char="•"/>
+              <a:defRPr sz="1800" kern="1200">
+                <a:solidFill>
+                  <a:schemeClr val="tx1"/>
+                </a:solidFill>
+                <a:latin typeface="+mn-lt"/>
+                <a:ea typeface="+mn-ea"/>
+                <a:cs typeface="+mn-cs"/>
+              </a:defRPr>
+            </a:lvl4pPr>
+            <a:lvl5pPr marL="2057400" indent="-228600" algn="l" defTabSz="914400" rtl="0" eaLnBrk="1" latinLnBrk="0" hangingPunct="1">
+              <a:lnSpc>
+                <a:spcPct val="90000"/>
+              </a:lnSpc>
+              <a:spcBef>
+                <a:spcPts val="500"/>
+              </a:spcBef>
+              <a:buFont typeface="Arial" panose="020B0604020202020204" pitchFamily="34" charset="0"/>
+              <a:buChar char="•"/>
+              <a:defRPr sz="1800" kern="1200">
+                <a:solidFill>
+                  <a:schemeClr val="tx1"/>
+                </a:solidFill>
+                <a:latin typeface="+mn-lt"/>
+                <a:ea typeface="+mn-ea"/>
+                <a:cs typeface="+mn-cs"/>
+              </a:defRPr>
+            </a:lvl5pPr>
+            <a:lvl6pPr marL="2514600" indent="-228600" algn="l" defTabSz="914400" rtl="0" eaLnBrk="1" latinLnBrk="0" hangingPunct="1">
+              <a:lnSpc>
+                <a:spcPct val="90000"/>
+              </a:lnSpc>
+              <a:spcBef>
+                <a:spcPts val="500"/>
+              </a:spcBef>
+              <a:buFont typeface="Arial" panose="020B0604020202020204" pitchFamily="34" charset="0"/>
+              <a:buChar char="•"/>
+              <a:defRPr sz="1800" kern="1200">
+                <a:solidFill>
+                  <a:schemeClr val="tx1"/>
+                </a:solidFill>
+                <a:latin typeface="+mn-lt"/>
+                <a:ea typeface="+mn-ea"/>
+                <a:cs typeface="+mn-cs"/>
+              </a:defRPr>
+            </a:lvl6pPr>
+            <a:lvl7pPr marL="2971800" indent="-228600" algn="l" defTabSz="914400" rtl="0" eaLnBrk="1" latinLnBrk="0" hangingPunct="1">
+              <a:lnSpc>
+                <a:spcPct val="90000"/>
+              </a:lnSpc>
+              <a:spcBef>
+                <a:spcPts val="500"/>
+              </a:spcBef>
+              <a:buFont typeface="Arial" panose="020B0604020202020204" pitchFamily="34" charset="0"/>
+              <a:buChar char="•"/>
+              <a:defRPr sz="1800" kern="1200">
+                <a:solidFill>
+                  <a:schemeClr val="tx1"/>
+                </a:solidFill>
+                <a:latin typeface="+mn-lt"/>
+                <a:ea typeface="+mn-ea"/>
+                <a:cs typeface="+mn-cs"/>
+              </a:defRPr>
+            </a:lvl7pPr>
+            <a:lvl8pPr marL="3429000" indent="-228600" algn="l" defTabSz="914400" rtl="0" eaLnBrk="1" latinLnBrk="0" hangingPunct="1">
+              <a:lnSpc>
+                <a:spcPct val="90000"/>
+              </a:lnSpc>
+              <a:spcBef>
+                <a:spcPts val="500"/>
+              </a:spcBef>
+              <a:buFont typeface="Arial" panose="020B0604020202020204" pitchFamily="34" charset="0"/>
+              <a:buChar char="•"/>
+              <a:defRPr sz="1800" kern="1200">
+                <a:solidFill>
+                  <a:schemeClr val="tx1"/>
+                </a:solidFill>
+                <a:latin typeface="+mn-lt"/>
+                <a:ea typeface="+mn-ea"/>
+                <a:cs typeface="+mn-cs"/>
+              </a:defRPr>
+            </a:lvl8pPr>
+            <a:lvl9pPr marL="3886200" indent="-228600" algn="l" defTabSz="914400" rtl="0" eaLnBrk="1" latinLnBrk="0" hangingPunct="1">
+              <a:lnSpc>
+                <a:spcPct val="90000"/>
+              </a:lnSpc>
+              <a:spcBef>
+                <a:spcPts val="500"/>
+              </a:spcBef>
+              <a:buFont typeface="Arial" panose="020B0604020202020204" pitchFamily="34" charset="0"/>
+              <a:buChar char="•"/>
+              <a:defRPr sz="1800" kern="1200">
+                <a:solidFill>
+                  <a:schemeClr val="tx1"/>
+                </a:solidFill>
+                <a:latin typeface="+mn-lt"/>
+                <a:ea typeface="+mn-ea"/>
+                <a:cs typeface="+mn-cs"/>
+              </a:defRPr>
+            </a:lvl9pPr>
+          </a:lstStyle>
+          <a:p>
+            <a:pPr algn="just"/>
+            <a:r>
+              <a:rPr lang="en-US" sz="1800" dirty="0"/>
+              <a:t>Noise Pollution refers to excessive amounts of noise that interfere with the natural bio-rhythms of everyday life. </a:t>
+            </a:r>
+          </a:p>
+          <a:p>
+            <a:pPr algn="just"/>
+            <a:r>
+              <a:rPr lang="en-US" sz="1800" dirty="0" err="1"/>
+              <a:t>Spacemaker</a:t>
+            </a:r>
+            <a:r>
+              <a:rPr lang="en-US" sz="1800" dirty="0"/>
+              <a:t> AI developed technology to discover smarter ways to maximize building potential</a:t>
+            </a:r>
+          </a:p>
+          <a:p>
+            <a:pPr algn="just"/>
+            <a:r>
+              <a:rPr lang="en-US" sz="1800" dirty="0"/>
+              <a:t>At </a:t>
+            </a:r>
+            <a:r>
+              <a:rPr lang="en-US" sz="1800" dirty="0" err="1"/>
+              <a:t>Spacemaker</a:t>
+            </a:r>
+            <a:r>
+              <a:rPr lang="en-US" sz="1800" dirty="0"/>
+              <a:t> AI, noise pollution is an important aspect of urban design. A challenge for noise calculation is high computational demand limits, hence surrogate models are important research topics. </a:t>
+            </a:r>
+          </a:p>
+          <a:p>
+            <a:pPr algn="just"/>
+            <a:r>
+              <a:rPr lang="en-US" sz="1800" dirty="0"/>
+              <a:t>This project researches noise surrogate models</a:t>
+            </a:r>
+          </a:p>
+          <a:p>
+            <a:endParaRPr lang="en-US" sz="1800" dirty="0"/>
+          </a:p>
+          <a:p>
+            <a:r>
+              <a:rPr lang="en-US" sz="1800" dirty="0"/>
+              <a:t>Project Goal:</a:t>
+            </a:r>
+          </a:p>
+          <a:p>
+            <a:pPr lvl="1"/>
+            <a:r>
+              <a:rPr lang="en-US" sz="1800" dirty="0"/>
+              <a:t>Develop noise surrogate models to predict fraction of outdoor ground area in yellow zone of a test site.</a:t>
+            </a:r>
+          </a:p>
+          <a:p>
+            <a:r>
+              <a:rPr lang="en-US" sz="1800" dirty="0"/>
+              <a:t>Technical Skills:</a:t>
+            </a:r>
+          </a:p>
+          <a:p>
+            <a:pPr lvl="1"/>
+            <a:r>
+              <a:rPr lang="en-US" sz="1800" dirty="0"/>
+              <a:t>Data Wrangling, Data Visualization, Statistical Analysis, Regression Analysis, Machine Learning</a:t>
+            </a:r>
+          </a:p>
+          <a:p>
+            <a:r>
+              <a:rPr lang="en-US" sz="1800" dirty="0" err="1"/>
+              <a:t>Techincal</a:t>
+            </a:r>
+            <a:r>
+              <a:rPr lang="en-US" sz="1800" dirty="0"/>
+              <a:t> Tools:</a:t>
+            </a:r>
+          </a:p>
+          <a:p>
+            <a:pPr lvl="1"/>
+            <a:r>
+              <a:rPr lang="en-US" sz="1800" dirty="0"/>
+              <a:t>R &amp; </a:t>
+            </a:r>
+            <a:r>
+              <a:rPr lang="en-US" sz="1800" dirty="0" err="1"/>
+              <a:t>Rstudio</a:t>
+            </a:r>
+            <a:r>
+              <a:rPr lang="en-US" sz="1800" dirty="0"/>
+              <a:t> with </a:t>
+            </a:r>
+            <a:r>
+              <a:rPr lang="en-US" sz="1800" dirty="0" err="1"/>
+              <a:t>ggplot</a:t>
+            </a:r>
+            <a:r>
+              <a:rPr lang="en-US" sz="1800" dirty="0"/>
+              <a:t>, </a:t>
+            </a:r>
+            <a:r>
+              <a:rPr lang="en-US" sz="1800" dirty="0" err="1"/>
+              <a:t>dplyr</a:t>
+            </a:r>
+            <a:r>
+              <a:rPr lang="en-US" sz="1800" dirty="0"/>
+              <a:t>, caret</a:t>
+            </a:r>
+          </a:p>
+          <a:p>
+            <a:pPr lvl="1"/>
+            <a:r>
+              <a:rPr lang="en-US" sz="1800" dirty="0"/>
+              <a:t>GitHub version Control</a:t>
+            </a:r>
           </a:p>
           <a:p>
             <a:endParaRPr lang="en-US" dirty="0"/>
@@ -6594,14 +8141,14 @@
             <a:pPr lvl="1"/>
             <a:r>
               <a:rPr lang="en-US" dirty="0"/>
-              <a:t>Specific data: 250 noise simulations from the test scenario</a:t>
+              <a:t>Specific data: 250 noise simulations from the specific test scenario</a:t>
             </a:r>
           </a:p>
           <a:p>
             <a:pPr lvl="1"/>
             <a:r>
               <a:rPr lang="en-US" dirty="0"/>
-              <a:t>Test data: 250 additional observations from a specific site</a:t>
+              <a:t>Test data: 250 additional observations from the specific site</a:t>
             </a:r>
           </a:p>
           <a:p>
@@ -6617,7 +8164,7 @@
             <a:pPr lvl="1"/>
             <a:r>
               <a:rPr lang="en-US" dirty="0"/>
-              <a:t>Scenario</a:t>
+              <a:t>Scenario(specific noise source pattern)</a:t>
             </a:r>
           </a:p>
           <a:p>

--- a/Spacemaker_proj.pptx
+++ b/Spacemaker_proj.pptx
@@ -277,7 +277,7 @@
           <a:p>
             <a:fld id="{576B9C8A-B317-704F-8D51-8CDB4DDA3089}" type="datetimeFigureOut">
               <a:rPr lang="en-US" smtClean="0"/>
-              <a:t>6/6/20</a:t>
+              <a:t>6/8/20</a:t>
             </a:fld>
             <a:endParaRPr lang="en-US"/>
           </a:p>
@@ -475,7 +475,7 @@
           <a:p>
             <a:fld id="{576B9C8A-B317-704F-8D51-8CDB4DDA3089}" type="datetimeFigureOut">
               <a:rPr lang="en-US" smtClean="0"/>
-              <a:t>6/6/20</a:t>
+              <a:t>6/8/20</a:t>
             </a:fld>
             <a:endParaRPr lang="en-US"/>
           </a:p>
@@ -683,7 +683,7 @@
           <a:p>
             <a:fld id="{576B9C8A-B317-704F-8D51-8CDB4DDA3089}" type="datetimeFigureOut">
               <a:rPr lang="en-US" smtClean="0"/>
-              <a:t>6/6/20</a:t>
+              <a:t>6/8/20</a:t>
             </a:fld>
             <a:endParaRPr lang="en-US"/>
           </a:p>
@@ -881,7 +881,7 @@
           <a:p>
             <a:fld id="{576B9C8A-B317-704F-8D51-8CDB4DDA3089}" type="datetimeFigureOut">
               <a:rPr lang="en-US" smtClean="0"/>
-              <a:t>6/6/20</a:t>
+              <a:t>6/8/20</a:t>
             </a:fld>
             <a:endParaRPr lang="en-US"/>
           </a:p>
@@ -1156,7 +1156,7 @@
           <a:p>
             <a:fld id="{576B9C8A-B317-704F-8D51-8CDB4DDA3089}" type="datetimeFigureOut">
               <a:rPr lang="en-US" smtClean="0"/>
-              <a:t>6/6/20</a:t>
+              <a:t>6/8/20</a:t>
             </a:fld>
             <a:endParaRPr lang="en-US"/>
           </a:p>
@@ -1421,7 +1421,7 @@
           <a:p>
             <a:fld id="{576B9C8A-B317-704F-8D51-8CDB4DDA3089}" type="datetimeFigureOut">
               <a:rPr lang="en-US" smtClean="0"/>
-              <a:t>6/6/20</a:t>
+              <a:t>6/8/20</a:t>
             </a:fld>
             <a:endParaRPr lang="en-US"/>
           </a:p>
@@ -1833,7 +1833,7 @@
           <a:p>
             <a:fld id="{576B9C8A-B317-704F-8D51-8CDB4DDA3089}" type="datetimeFigureOut">
               <a:rPr lang="en-US" smtClean="0"/>
-              <a:t>6/6/20</a:t>
+              <a:t>6/8/20</a:t>
             </a:fld>
             <a:endParaRPr lang="en-US"/>
           </a:p>
@@ -1974,7 +1974,7 @@
           <a:p>
             <a:fld id="{576B9C8A-B317-704F-8D51-8CDB4DDA3089}" type="datetimeFigureOut">
               <a:rPr lang="en-US" smtClean="0"/>
-              <a:t>6/6/20</a:t>
+              <a:t>6/8/20</a:t>
             </a:fld>
             <a:endParaRPr lang="en-US"/>
           </a:p>
@@ -2087,7 +2087,7 @@
           <a:p>
             <a:fld id="{576B9C8A-B317-704F-8D51-8CDB4DDA3089}" type="datetimeFigureOut">
               <a:rPr lang="en-US" smtClean="0"/>
-              <a:t>6/6/20</a:t>
+              <a:t>6/8/20</a:t>
             </a:fld>
             <a:endParaRPr lang="en-US"/>
           </a:p>
@@ -2398,7 +2398,7 @@
           <a:p>
             <a:fld id="{576B9C8A-B317-704F-8D51-8CDB4DDA3089}" type="datetimeFigureOut">
               <a:rPr lang="en-US" smtClean="0"/>
-              <a:t>6/6/20</a:t>
+              <a:t>6/8/20</a:t>
             </a:fld>
             <a:endParaRPr lang="en-US"/>
           </a:p>
@@ -2686,7 +2686,7 @@
           <a:p>
             <a:fld id="{576B9C8A-B317-704F-8D51-8CDB4DDA3089}" type="datetimeFigureOut">
               <a:rPr lang="en-US" smtClean="0"/>
-              <a:t>6/6/20</a:t>
+              <a:t>6/8/20</a:t>
             </a:fld>
             <a:endParaRPr lang="en-US"/>
           </a:p>
@@ -2927,7 +2927,7 @@
           <a:p>
             <a:fld id="{576B9C8A-B317-704F-8D51-8CDB4DDA3089}" type="datetimeFigureOut">
               <a:rPr lang="en-US" smtClean="0"/>
-              <a:t>6/6/20</a:t>
+              <a:t>6/8/20</a:t>
             </a:fld>
             <a:endParaRPr lang="en-US"/>
           </a:p>
@@ -7926,7 +7926,15 @@
             <a:pPr algn="just"/>
             <a:r>
               <a:rPr lang="en-US" sz="1800" dirty="0"/>
-              <a:t>Noise Pollution refers to excessive amounts of noise that interfere with the natural bio-rhythms of everyday life. </a:t>
+              <a:t>Noise </a:t>
+            </a:r>
+            <a:r>
+              <a:rPr lang="en-US" sz="1800"/>
+              <a:t>Pollution  refers </a:t>
+            </a:r>
+            <a:r>
+              <a:rPr lang="en-US" sz="1800" dirty="0"/>
+              <a:t>to excessive amounts of noise that interfere with the natural bio-rhythms of everyday life. </a:t>
             </a:r>
           </a:p>
           <a:p>

--- a/Spacemaker_proj.pptx
+++ b/Spacemaker_proj.pptx
@@ -275,7 +275,7 @@
           <a:p>
             <a:fld id="{6109E4A8-E854-AA48-B1B2-79F5A154E026}" type="datetimeFigureOut">
               <a:rPr lang="en-US" smtClean="0"/>
-              <a:t>6/9/20</a:t>
+              <a:t>6/11/20</a:t>
             </a:fld>
             <a:endParaRPr lang="en-US"/>
           </a:p>
@@ -468,7 +468,7 @@
           <a:p>
             <a:fld id="{218B9F1C-0595-4346-AF88-9B7D156C376B}" type="datetimeFigureOut">
               <a:rPr lang="en-US" smtClean="0"/>
-              <a:t>6/9/20</a:t>
+              <a:t>6/11/20</a:t>
             </a:fld>
             <a:endParaRPr lang="en-US"/>
           </a:p>
@@ -905,7 +905,7 @@
           <a:p>
             <a:fld id="{C897AE3E-2D30-7540-A1E4-BDEB871ECCB8}" type="datetime1">
               <a:rPr lang="en-US" smtClean="0"/>
-              <a:t>6/9/20</a:t>
+              <a:t>6/11/20</a:t>
             </a:fld>
             <a:endParaRPr lang="en-US"/>
           </a:p>
@@ -1106,7 +1106,7 @@
           <a:p>
             <a:fld id="{05D6AC36-EAD2-5E40-8905-2BB058564B25}" type="datetime1">
               <a:rPr lang="en-US" smtClean="0"/>
-              <a:t>6/9/20</a:t>
+              <a:t>6/11/20</a:t>
             </a:fld>
             <a:endParaRPr lang="en-US"/>
           </a:p>
@@ -1317,7 +1317,7 @@
           <a:p>
             <a:fld id="{EADAA2D7-58F4-154E-9958-AD07FDF23D20}" type="datetime1">
               <a:rPr lang="en-US" smtClean="0"/>
-              <a:t>6/9/20</a:t>
+              <a:t>6/11/20</a:t>
             </a:fld>
             <a:endParaRPr lang="en-US"/>
           </a:p>
@@ -1518,7 +1518,7 @@
           <a:p>
             <a:fld id="{634E33F3-DE6E-BA4B-900B-2105FE671E0D}" type="datetime1">
               <a:rPr lang="en-US" smtClean="0"/>
-              <a:t>6/9/20</a:t>
+              <a:t>6/11/20</a:t>
             </a:fld>
             <a:endParaRPr lang="en-US"/>
           </a:p>
@@ -1796,7 +1796,7 @@
           <a:p>
             <a:fld id="{8B2578B3-9918-CC4E-A53A-EA0991A2DBF9}" type="datetime1">
               <a:rPr lang="en-US" smtClean="0"/>
-              <a:t>6/9/20</a:t>
+              <a:t>6/11/20</a:t>
             </a:fld>
             <a:endParaRPr lang="en-US"/>
           </a:p>
@@ -2064,7 +2064,7 @@
           <a:p>
             <a:fld id="{BDE25FA4-08B3-804F-B986-E22D20DD02DF}" type="datetime1">
               <a:rPr lang="en-US" smtClean="0"/>
-              <a:t>6/9/20</a:t>
+              <a:t>6/11/20</a:t>
             </a:fld>
             <a:endParaRPr lang="en-US"/>
           </a:p>
@@ -2479,7 +2479,7 @@
           <a:p>
             <a:fld id="{AD8F5522-ABF6-CD46-8FC2-79176DA92A54}" type="datetime1">
               <a:rPr lang="en-US" smtClean="0"/>
-              <a:t>6/9/20</a:t>
+              <a:t>6/11/20</a:t>
             </a:fld>
             <a:endParaRPr lang="en-US"/>
           </a:p>
@@ -2623,7 +2623,7 @@
           <a:p>
             <a:fld id="{FE1C7CE0-0DB0-C04E-A95D-F1D0F701980A}" type="datetime1">
               <a:rPr lang="en-US" smtClean="0"/>
-              <a:t>6/9/20</a:t>
+              <a:t>6/11/20</a:t>
             </a:fld>
             <a:endParaRPr lang="en-US"/>
           </a:p>
@@ -2739,7 +2739,7 @@
           <a:p>
             <a:fld id="{F85B56FC-CF52-8745-AF46-57E92B82E663}" type="datetime1">
               <a:rPr lang="en-US" smtClean="0"/>
-              <a:t>6/9/20</a:t>
+              <a:t>6/11/20</a:t>
             </a:fld>
             <a:endParaRPr lang="en-US"/>
           </a:p>
@@ -3053,7 +3053,7 @@
           <a:p>
             <a:fld id="{82B53A5C-C635-6D42-AED5-DF74D2D7BCAC}" type="datetime1">
               <a:rPr lang="en-US" smtClean="0"/>
-              <a:t>6/9/20</a:t>
+              <a:t>6/11/20</a:t>
             </a:fld>
             <a:endParaRPr lang="en-US"/>
           </a:p>
@@ -3344,7 +3344,7 @@
           <a:p>
             <a:fld id="{0AA9131A-B516-D647-99CA-6402AAD53972}" type="datetime1">
               <a:rPr lang="en-US" smtClean="0"/>
-              <a:t>6/9/20</a:t>
+              <a:t>6/11/20</a:t>
             </a:fld>
             <a:endParaRPr lang="en-US"/>
           </a:p>
@@ -3588,7 +3588,7 @@
           <a:p>
             <a:fld id="{DFFB9A50-199D-0A42-8F76-779F089C45B8}" type="datetime1">
               <a:rPr lang="en-US" smtClean="0"/>
-              <a:t>6/9/20</a:t>
+              <a:t>6/11/20</a:t>
             </a:fld>
             <a:endParaRPr lang="en-US"/>
           </a:p>
@@ -6045,6 +6045,295 @@
           </a:prstGeom>
         </p:spPr>
       </p:pic>
+      <p:cxnSp>
+        <p:nvCxnSpPr>
+          <p:cNvPr id="18" name="Straight Arrow Connector 17">
+            <a:extLst>
+              <a:ext uri="{FF2B5EF4-FFF2-40B4-BE49-F238E27FC236}">
+                <a16:creationId xmlns:a16="http://schemas.microsoft.com/office/drawing/2014/main" id="{95C20C46-A6C9-6D4B-AC12-2D25D69B8331}"/>
+              </a:ext>
+            </a:extLst>
+          </p:cNvPr>
+          <p:cNvCxnSpPr>
+            <a:cxnSpLocks/>
+          </p:cNvCxnSpPr>
+          <p:nvPr/>
+        </p:nvCxnSpPr>
+        <p:spPr>
+          <a:xfrm flipV="1">
+            <a:off x="3509505" y="2624023"/>
+            <a:ext cx="574943" cy="973589"/>
+          </a:xfrm>
+          <a:prstGeom prst="straightConnector1">
+            <a:avLst/>
+          </a:prstGeom>
+          <a:ln w="28575">
+            <a:solidFill>
+              <a:schemeClr val="accent1">
+                <a:lumMod val="75000"/>
+              </a:schemeClr>
+            </a:solidFill>
+            <a:tailEnd type="triangle"/>
+          </a:ln>
+        </p:spPr>
+        <p:style>
+          <a:lnRef idx="1">
+            <a:schemeClr val="accent1"/>
+          </a:lnRef>
+          <a:fillRef idx="0">
+            <a:schemeClr val="accent1"/>
+          </a:fillRef>
+          <a:effectRef idx="0">
+            <a:schemeClr val="accent1"/>
+          </a:effectRef>
+          <a:fontRef idx="minor">
+            <a:schemeClr val="tx1"/>
+          </a:fontRef>
+        </p:style>
+      </p:cxnSp>
+      <p:cxnSp>
+        <p:nvCxnSpPr>
+          <p:cNvPr id="21" name="Straight Arrow Connector 20">
+            <a:extLst>
+              <a:ext uri="{FF2B5EF4-FFF2-40B4-BE49-F238E27FC236}">
+                <a16:creationId xmlns:a16="http://schemas.microsoft.com/office/drawing/2014/main" id="{89E43BB3-5D23-064A-88A3-5B4A5EFD8069}"/>
+              </a:ext>
+            </a:extLst>
+          </p:cNvPr>
+          <p:cNvCxnSpPr>
+            <a:cxnSpLocks/>
+          </p:cNvCxnSpPr>
+          <p:nvPr/>
+        </p:nvCxnSpPr>
+        <p:spPr>
+          <a:xfrm flipH="1" flipV="1">
+            <a:off x="4559700" y="2668524"/>
+            <a:ext cx="985043" cy="582442"/>
+          </a:xfrm>
+          <a:prstGeom prst="straightConnector1">
+            <a:avLst/>
+          </a:prstGeom>
+          <a:ln w="28575">
+            <a:solidFill>
+              <a:schemeClr val="accent1">
+                <a:lumMod val="75000"/>
+              </a:schemeClr>
+            </a:solidFill>
+            <a:tailEnd type="triangle"/>
+          </a:ln>
+        </p:spPr>
+        <p:style>
+          <a:lnRef idx="1">
+            <a:schemeClr val="accent1"/>
+          </a:lnRef>
+          <a:fillRef idx="0">
+            <a:schemeClr val="accent1"/>
+          </a:fillRef>
+          <a:effectRef idx="0">
+            <a:schemeClr val="accent1"/>
+          </a:effectRef>
+          <a:fontRef idx="minor">
+            <a:schemeClr val="tx1"/>
+          </a:fontRef>
+        </p:style>
+      </p:cxnSp>
+      <p:cxnSp>
+        <p:nvCxnSpPr>
+          <p:cNvPr id="23" name="Straight Arrow Connector 22">
+            <a:extLst>
+              <a:ext uri="{FF2B5EF4-FFF2-40B4-BE49-F238E27FC236}">
+                <a16:creationId xmlns:a16="http://schemas.microsoft.com/office/drawing/2014/main" id="{237A84D9-8E8F-254F-BFBF-3D85E01B3971}"/>
+              </a:ext>
+            </a:extLst>
+          </p:cNvPr>
+          <p:cNvCxnSpPr>
+            <a:cxnSpLocks/>
+          </p:cNvCxnSpPr>
+          <p:nvPr/>
+        </p:nvCxnSpPr>
+        <p:spPr>
+          <a:xfrm flipH="1" flipV="1">
+            <a:off x="4559700" y="4988324"/>
+            <a:ext cx="606534" cy="715895"/>
+          </a:xfrm>
+          <a:prstGeom prst="straightConnector1">
+            <a:avLst/>
+          </a:prstGeom>
+          <a:ln w="28575">
+            <a:solidFill>
+              <a:schemeClr val="accent1">
+                <a:lumMod val="75000"/>
+              </a:schemeClr>
+            </a:solidFill>
+            <a:tailEnd type="triangle"/>
+          </a:ln>
+        </p:spPr>
+        <p:style>
+          <a:lnRef idx="1">
+            <a:schemeClr val="accent1"/>
+          </a:lnRef>
+          <a:fillRef idx="0">
+            <a:schemeClr val="accent1"/>
+          </a:fillRef>
+          <a:effectRef idx="0">
+            <a:schemeClr val="accent1"/>
+          </a:effectRef>
+          <a:fontRef idx="minor">
+            <a:schemeClr val="tx1"/>
+          </a:fontRef>
+        </p:style>
+      </p:cxnSp>
+      <p:cxnSp>
+        <p:nvCxnSpPr>
+          <p:cNvPr id="25" name="Straight Arrow Connector 24">
+            <a:extLst>
+              <a:ext uri="{FF2B5EF4-FFF2-40B4-BE49-F238E27FC236}">
+                <a16:creationId xmlns:a16="http://schemas.microsoft.com/office/drawing/2014/main" id="{3EEC7A9E-FAAA-2A4A-BEDE-9BFC42C661F6}"/>
+              </a:ext>
+            </a:extLst>
+          </p:cNvPr>
+          <p:cNvCxnSpPr>
+            <a:cxnSpLocks/>
+          </p:cNvCxnSpPr>
+          <p:nvPr/>
+        </p:nvCxnSpPr>
+        <p:spPr>
+          <a:xfrm flipV="1">
+            <a:off x="3479154" y="4988324"/>
+            <a:ext cx="605294" cy="352211"/>
+          </a:xfrm>
+          <a:prstGeom prst="straightConnector1">
+            <a:avLst/>
+          </a:prstGeom>
+          <a:ln w="28575">
+            <a:solidFill>
+              <a:schemeClr val="accent1">
+                <a:lumMod val="75000"/>
+              </a:schemeClr>
+            </a:solidFill>
+            <a:tailEnd type="triangle"/>
+          </a:ln>
+        </p:spPr>
+        <p:style>
+          <a:lnRef idx="1">
+            <a:schemeClr val="accent1"/>
+          </a:lnRef>
+          <a:fillRef idx="0">
+            <a:schemeClr val="accent1"/>
+          </a:fillRef>
+          <a:effectRef idx="0">
+            <a:schemeClr val="accent1"/>
+          </a:effectRef>
+          <a:fontRef idx="minor">
+            <a:schemeClr val="tx1"/>
+          </a:fontRef>
+        </p:style>
+      </p:cxnSp>
+      <p:sp>
+        <p:nvSpPr>
+          <p:cNvPr id="26" name="TextBox 25">
+            <a:extLst>
+              <a:ext uri="{FF2B5EF4-FFF2-40B4-BE49-F238E27FC236}">
+                <a16:creationId xmlns:a16="http://schemas.microsoft.com/office/drawing/2014/main" id="{760AA93E-6FC8-AE4C-BDBE-B652F0796DF2}"/>
+              </a:ext>
+            </a:extLst>
+          </p:cNvPr>
+          <p:cNvSpPr txBox="1"/>
+          <p:nvPr/>
+        </p:nvSpPr>
+        <p:spPr>
+          <a:xfrm>
+            <a:off x="3767040" y="2334870"/>
+            <a:ext cx="1405962" cy="369332"/>
+          </a:xfrm>
+          <a:prstGeom prst="rect">
+            <a:avLst/>
+          </a:prstGeom>
+          <a:noFill/>
+        </p:spPr>
+        <p:txBody>
+          <a:bodyPr wrap="none" rtlCol="0">
+            <a:spAutoFit/>
+          </a:bodyPr>
+          <a:lstStyle/>
+          <a:p>
+            <a:r>
+              <a:rPr lang="en-US" dirty="0"/>
+              <a:t>Noise Source</a:t>
+            </a:r>
+          </a:p>
+        </p:txBody>
+      </p:sp>
+      <p:sp>
+        <p:nvSpPr>
+          <p:cNvPr id="27" name="TextBox 26">
+            <a:extLst>
+              <a:ext uri="{FF2B5EF4-FFF2-40B4-BE49-F238E27FC236}">
+                <a16:creationId xmlns:a16="http://schemas.microsoft.com/office/drawing/2014/main" id="{D64BD747-BB5F-0B42-9EC8-5E25F645069C}"/>
+              </a:ext>
+            </a:extLst>
+          </p:cNvPr>
+          <p:cNvSpPr txBox="1"/>
+          <p:nvPr/>
+        </p:nvSpPr>
+        <p:spPr>
+          <a:xfrm>
+            <a:off x="3801755" y="4618992"/>
+            <a:ext cx="1032655" cy="369332"/>
+          </a:xfrm>
+          <a:prstGeom prst="rect">
+            <a:avLst/>
+          </a:prstGeom>
+          <a:noFill/>
+        </p:spPr>
+        <p:txBody>
+          <a:bodyPr wrap="none" rtlCol="0">
+            <a:spAutoFit/>
+          </a:bodyPr>
+          <a:lstStyle/>
+          <a:p>
+            <a:r>
+              <a:rPr lang="en-US" dirty="0"/>
+              <a:t>Buildings</a:t>
+            </a:r>
+          </a:p>
+        </p:txBody>
+      </p:sp>
+      <p:sp>
+        <p:nvSpPr>
+          <p:cNvPr id="28" name="TextBox 27">
+            <a:extLst>
+              <a:ext uri="{FF2B5EF4-FFF2-40B4-BE49-F238E27FC236}">
+                <a16:creationId xmlns:a16="http://schemas.microsoft.com/office/drawing/2014/main" id="{7D25B70B-1069-E046-BA4B-2C8056AAF36D}"/>
+              </a:ext>
+            </a:extLst>
+          </p:cNvPr>
+          <p:cNvSpPr txBox="1"/>
+          <p:nvPr/>
+        </p:nvSpPr>
+        <p:spPr>
+          <a:xfrm>
+            <a:off x="1505783" y="6348164"/>
+            <a:ext cx="2727670" cy="369332"/>
+          </a:xfrm>
+          <a:prstGeom prst="rect">
+            <a:avLst/>
+          </a:prstGeom>
+          <a:noFill/>
+        </p:spPr>
+        <p:txBody>
+          <a:bodyPr wrap="none" rtlCol="0">
+            <a:spAutoFit/>
+          </a:bodyPr>
+          <a:lstStyle/>
+          <a:p>
+            <a:r>
+              <a:rPr lang="en-US" dirty="0"/>
+              <a:t>Building darker color=taller</a:t>
+            </a:r>
+          </a:p>
+        </p:txBody>
+      </p:sp>
     </p:spTree>
     <p:extLst>
       <p:ext uri="{BB962C8B-B14F-4D97-AF65-F5344CB8AC3E}">
@@ -13774,72 +14063,244 @@
           </a:p>
         </p:txBody>
       </p:sp>
-      <p:sp>
-        <p:nvSpPr>
-          <p:cNvPr id="5" name="TextBox 4">
-            <a:extLst>
-              <a:ext uri="{FF2B5EF4-FFF2-40B4-BE49-F238E27FC236}">
-                <a16:creationId xmlns:a16="http://schemas.microsoft.com/office/drawing/2014/main" id="{DC8741F2-884B-C842-9D4D-F33F8117CB79}"/>
-              </a:ext>
-            </a:extLst>
-          </p:cNvPr>
-          <p:cNvSpPr txBox="1"/>
-          <p:nvPr/>
-        </p:nvSpPr>
-        <p:spPr>
-          <a:xfrm>
-            <a:off x="1075479" y="1710049"/>
-            <a:ext cx="10039827" cy="4154984"/>
-          </a:xfrm>
-          <a:prstGeom prst="rect">
-            <a:avLst/>
-          </a:prstGeom>
-          <a:noFill/>
-        </p:spPr>
-        <p:txBody>
-          <a:bodyPr wrap="square" rtlCol="0">
-            <a:spAutoFit/>
-          </a:bodyPr>
-          <a:lstStyle/>
-          <a:p>
-            <a:pPr algn="just"/>
-            <a:r>
-              <a:rPr lang="en-US" sz="2400" dirty="0"/>
-              <a:t>As the goal of the project is to minimize noise in an urban area, Root Mean Square Error (RMSE) was selected as the error measurement so that large errors would be given more weight.</a:t>
-            </a:r>
-          </a:p>
-          <a:p>
-            <a:pPr algn="just"/>
-            <a:endParaRPr lang="en-US" sz="2400" dirty="0"/>
-          </a:p>
-          <a:p>
-            <a:pPr algn="just"/>
-            <a:r>
-              <a:rPr lang="en-US" sz="2400" dirty="0"/>
-              <a:t>The Baseline model used for comparison represented the average of the entire fraction yellow zone in the training data with this:</a:t>
-            </a:r>
-          </a:p>
-          <a:p>
-            <a:pPr algn="just"/>
-            <a:endParaRPr lang="en-US" sz="2400" dirty="0"/>
-          </a:p>
-          <a:p>
-            <a:pPr algn="just"/>
-            <a:endParaRPr lang="en-US" sz="2400" dirty="0"/>
-          </a:p>
-          <a:p>
-            <a:pPr algn="just"/>
-            <a:endParaRPr lang="en-US" sz="2400" dirty="0"/>
-          </a:p>
-          <a:p>
-            <a:pPr algn="just"/>
-            <a:r>
-              <a:rPr lang="en-US" sz="2400" dirty="0"/>
-              <a:t>All the models were initially run and tested before performing hyper parameter tuning for better results.</a:t>
-            </a:r>
-          </a:p>
-        </p:txBody>
-      </p:sp>
+      <mc:AlternateContent xmlns:mc="http://schemas.openxmlformats.org/markup-compatibility/2006">
+        <mc:Choice xmlns:a14="http://schemas.microsoft.com/office/drawing/2010/main" Requires="a14">
+          <p:sp>
+            <p:nvSpPr>
+              <p:cNvPr id="5" name="TextBox 4">
+                <a:extLst>
+                  <a:ext uri="{FF2B5EF4-FFF2-40B4-BE49-F238E27FC236}">
+                    <a16:creationId xmlns:a16="http://schemas.microsoft.com/office/drawing/2014/main" id="{DC8741F2-884B-C842-9D4D-F33F8117CB79}"/>
+                  </a:ext>
+                </a:extLst>
+              </p:cNvPr>
+              <p:cNvSpPr txBox="1"/>
+              <p:nvPr/>
+            </p:nvSpPr>
+            <p:spPr>
+              <a:xfrm>
+                <a:off x="1075479" y="1710049"/>
+                <a:ext cx="10039827" cy="5058308"/>
+              </a:xfrm>
+              <a:prstGeom prst="rect">
+                <a:avLst/>
+              </a:prstGeom>
+              <a:noFill/>
+            </p:spPr>
+            <p:txBody>
+              <a:bodyPr wrap="square" rtlCol="0">
+                <a:spAutoFit/>
+              </a:bodyPr>
+              <a:lstStyle/>
+              <a:p>
+                <a:pPr algn="just"/>
+                <a:r>
+                  <a:rPr lang="en-US" sz="2400" dirty="0"/>
+                  <a:t>As the goal of the project is to minimize noise in an urban area, Root Mean Square Error (RMSE) was selected as the error measurement so that large errors would be given more weight.</a:t>
+                </a:r>
+              </a:p>
+              <a:p>
+                <a:pPr algn="just"/>
+                <a:endParaRPr lang="en-US" dirty="0"/>
+              </a:p>
+              <a:p>
+                <a:pPr algn="ctr"/>
+                <a:r>
+                  <a:rPr lang="en-US" sz="2000" dirty="0"/>
+                  <a:t>Root Mean Square Error = </a:t>
+                </a:r>
+                <a14:m>
+                  <m:oMath xmlns:m="http://schemas.openxmlformats.org/officeDocument/2006/math">
+                    <m:rad>
+                      <m:radPr>
+                        <m:degHide m:val="on"/>
+                        <m:ctrlPr>
+                          <a:rPr lang="en-US" sz="2000" b="0" i="1" smtClean="0">
+                            <a:latin typeface="Cambria Math" panose="02040503050406030204" pitchFamily="18" charset="0"/>
+                            <a:ea typeface="Cambria Math" panose="02040503050406030204" pitchFamily="18" charset="0"/>
+                          </a:rPr>
+                        </m:ctrlPr>
+                      </m:radPr>
+                      <m:deg/>
+                      <m:e>
+                        <m:f>
+                          <m:fPr>
+                            <m:ctrlPr>
+                              <a:rPr lang="en-US" sz="2000" b="0" i="1" smtClean="0">
+                                <a:latin typeface="Cambria Math" panose="02040503050406030204" pitchFamily="18" charset="0"/>
+                                <a:ea typeface="Cambria Math" panose="02040503050406030204" pitchFamily="18" charset="0"/>
+                              </a:rPr>
+                            </m:ctrlPr>
+                          </m:fPr>
+                          <m:num>
+                            <m:r>
+                              <a:rPr lang="en-US" sz="2000" b="0" i="1" smtClean="0">
+                                <a:latin typeface="Cambria Math" panose="02040503050406030204" pitchFamily="18" charset="0"/>
+                                <a:ea typeface="Cambria Math" panose="02040503050406030204" pitchFamily="18" charset="0"/>
+                              </a:rPr>
+                              <m:t>1</m:t>
+                            </m:r>
+                          </m:num>
+                          <m:den>
+                            <m:r>
+                              <a:rPr lang="en-US" sz="2000" b="0" i="1" smtClean="0">
+                                <a:latin typeface="Cambria Math" panose="02040503050406030204" pitchFamily="18" charset="0"/>
+                                <a:ea typeface="Cambria Math" panose="02040503050406030204" pitchFamily="18" charset="0"/>
+                              </a:rPr>
+                              <m:t>𝑁</m:t>
+                            </m:r>
+                          </m:den>
+                        </m:f>
+                        <m:r>
+                          <m:rPr>
+                            <m:sty m:val="p"/>
+                          </m:rPr>
+                          <a:rPr lang="el-GR" sz="2000" i="1">
+                            <a:latin typeface="Cambria Math" panose="02040503050406030204" pitchFamily="18" charset="0"/>
+                            <a:ea typeface="Cambria Math" panose="02040503050406030204" pitchFamily="18" charset="0"/>
+                          </a:rPr>
+                          <m:t>Σ</m:t>
+                        </m:r>
+                        <m:sSup>
+                          <m:sSupPr>
+                            <m:ctrlPr>
+                              <a:rPr lang="en-US" sz="2000" i="1">
+                                <a:latin typeface="Cambria Math" panose="02040503050406030204" pitchFamily="18" charset="0"/>
+                                <a:ea typeface="Cambria Math" panose="02040503050406030204" pitchFamily="18" charset="0"/>
+                              </a:rPr>
+                            </m:ctrlPr>
+                          </m:sSupPr>
+                          <m:e>
+                            <m:r>
+                              <a:rPr lang="en-US" sz="2000" i="1">
+                                <a:latin typeface="Cambria Math" panose="02040503050406030204" pitchFamily="18" charset="0"/>
+                                <a:ea typeface="Cambria Math" panose="02040503050406030204" pitchFamily="18" charset="0"/>
+                              </a:rPr>
+                              <m:t>(</m:t>
+                            </m:r>
+                            <m:r>
+                              <a:rPr lang="en-US" sz="2000" i="1">
+                                <a:latin typeface="Cambria Math" panose="02040503050406030204" pitchFamily="18" charset="0"/>
+                                <a:ea typeface="Cambria Math" panose="02040503050406030204" pitchFamily="18" charset="0"/>
+                              </a:rPr>
+                              <m:t>𝑎𝑐𝑡𝑢𝑎𝑙</m:t>
+                            </m:r>
+                            <m:r>
+                              <a:rPr lang="en-US" sz="2000" i="1">
+                                <a:latin typeface="Cambria Math" panose="02040503050406030204" pitchFamily="18" charset="0"/>
+                                <a:ea typeface="Cambria Math" panose="02040503050406030204" pitchFamily="18" charset="0"/>
+                              </a:rPr>
+                              <m:t>−</m:t>
+                            </m:r>
+                            <m:r>
+                              <a:rPr lang="en-US" sz="2000" i="1">
+                                <a:latin typeface="Cambria Math" panose="02040503050406030204" pitchFamily="18" charset="0"/>
+                                <a:ea typeface="Cambria Math" panose="02040503050406030204" pitchFamily="18" charset="0"/>
+                              </a:rPr>
+                              <m:t>𝑝𝑟𝑒𝑑𝑖𝑐𝑡𝑖𝑜𝑛</m:t>
+                            </m:r>
+                            <m:r>
+                              <a:rPr lang="en-US" sz="2000" i="1">
+                                <a:latin typeface="Cambria Math" panose="02040503050406030204" pitchFamily="18" charset="0"/>
+                                <a:ea typeface="Cambria Math" panose="02040503050406030204" pitchFamily="18" charset="0"/>
+                              </a:rPr>
+                              <m:t>)</m:t>
+                            </m:r>
+                          </m:e>
+                          <m:sup>
+                            <m:r>
+                              <a:rPr lang="en-US" sz="2000" i="1">
+                                <a:latin typeface="Cambria Math" panose="02040503050406030204" pitchFamily="18" charset="0"/>
+                                <a:ea typeface="Cambria Math" panose="02040503050406030204" pitchFamily="18" charset="0"/>
+                              </a:rPr>
+                              <m:t>2</m:t>
+                            </m:r>
+                          </m:sup>
+                        </m:sSup>
+                      </m:e>
+                    </m:rad>
+                  </m:oMath>
+                </a14:m>
+                <a:endParaRPr lang="en-US" sz="2000" dirty="0"/>
+              </a:p>
+              <a:p>
+                <a:pPr algn="just"/>
+                <a:endParaRPr lang="en-US" dirty="0"/>
+              </a:p>
+              <a:p>
+                <a:pPr algn="just"/>
+                <a:r>
+                  <a:rPr lang="en-US" sz="2400" dirty="0"/>
+                  <a:t>The Baseline model used for comparison represented the average of the entire fraction yellow zone in the training data with this:</a:t>
+                </a:r>
+              </a:p>
+              <a:p>
+                <a:pPr algn="just"/>
+                <a:endParaRPr lang="en-US" sz="2400" dirty="0"/>
+              </a:p>
+              <a:p>
+                <a:pPr algn="just"/>
+                <a:endParaRPr lang="en-US" sz="2400" dirty="0"/>
+              </a:p>
+              <a:p>
+                <a:pPr algn="just"/>
+                <a:endParaRPr lang="en-US" sz="2400" dirty="0"/>
+              </a:p>
+              <a:p>
+                <a:pPr algn="just"/>
+                <a:r>
+                  <a:rPr lang="en-US" sz="2400" dirty="0"/>
+                  <a:t>All the models were initially run and tested before performing hyper parameter tuning for better results.</a:t>
+                </a:r>
+              </a:p>
+            </p:txBody>
+          </p:sp>
+        </mc:Choice>
+        <mc:Fallback>
+          <p:sp>
+            <p:nvSpPr>
+              <p:cNvPr id="5" name="TextBox 4">
+                <a:extLst>
+                  <a:ext uri="{FF2B5EF4-FFF2-40B4-BE49-F238E27FC236}">
+                    <a16:creationId xmlns:a16="http://schemas.microsoft.com/office/drawing/2014/main" id="{DC8741F2-884B-C842-9D4D-F33F8117CB79}"/>
+                  </a:ext>
+                </a:extLst>
+              </p:cNvPr>
+              <p:cNvSpPr txBox="1">
+                <a:spLocks noRot="1" noChangeAspect="1" noMove="1" noResize="1" noEditPoints="1" noAdjustHandles="1" noChangeArrowheads="1" noChangeShapeType="1" noTextEdit="1"/>
+              </p:cNvSpPr>
+              <p:nvPr/>
+            </p:nvSpPr>
+            <p:spPr>
+              <a:xfrm>
+                <a:off x="1075479" y="1710049"/>
+                <a:ext cx="10039827" cy="5058308"/>
+              </a:xfrm>
+              <a:prstGeom prst="rect">
+                <a:avLst/>
+              </a:prstGeom>
+              <a:blipFill>
+                <a:blip r:embed="rId2"/>
+                <a:stretch>
+                  <a:fillRect l="-885" t="-1003" r="-885"/>
+                </a:stretch>
+              </a:blipFill>
+            </p:spPr>
+            <p:txBody>
+              <a:bodyPr/>
+              <a:lstStyle/>
+              <a:p>
+                <a:r>
+                  <a:rPr lang="en-US">
+                    <a:noFill/>
+                  </a:rPr>
+                  <a:t> </a:t>
+                </a:r>
+              </a:p>
+            </p:txBody>
+          </p:sp>
+        </mc:Fallback>
+      </mc:AlternateContent>
       <p:graphicFrame>
         <p:nvGraphicFramePr>
           <p:cNvPr id="6" name="Table 5">
@@ -13855,13 +14316,13 @@
           <p:nvPr>
             <p:extLst>
               <p:ext uri="{D42A27DB-BD31-4B8C-83A1-F6EECF244321}">
-                <p14:modId xmlns:p14="http://schemas.microsoft.com/office/powerpoint/2010/main" val="1732467068"/>
+                <p14:modId xmlns:p14="http://schemas.microsoft.com/office/powerpoint/2010/main" val="103047508"/>
               </p:ext>
             </p:extLst>
           </p:nvPr>
         </p:nvGraphicFramePr>
         <p:xfrm>
-          <a:off x="5063221" y="3987999"/>
+          <a:off x="4310321" y="4801719"/>
           <a:ext cx="3570141" cy="1010920"/>
         </p:xfrm>
         <a:graphic>
@@ -24852,6 +25313,293 @@
           </a:p>
         </p:txBody>
       </p:sp>
+      <p:cxnSp>
+        <p:nvCxnSpPr>
+          <p:cNvPr id="9" name="Straight Arrow Connector 8">
+            <a:extLst>
+              <a:ext uri="{FF2B5EF4-FFF2-40B4-BE49-F238E27FC236}">
+                <a16:creationId xmlns:a16="http://schemas.microsoft.com/office/drawing/2014/main" id="{806646DF-D420-5E4E-9893-EC613E74122B}"/>
+              </a:ext>
+            </a:extLst>
+          </p:cNvPr>
+          <p:cNvCxnSpPr/>
+          <p:nvPr/>
+        </p:nvCxnSpPr>
+        <p:spPr>
+          <a:xfrm flipV="1">
+            <a:off x="5432596" y="2273961"/>
+            <a:ext cx="539018" cy="880110"/>
+          </a:xfrm>
+          <a:prstGeom prst="straightConnector1">
+            <a:avLst/>
+          </a:prstGeom>
+          <a:ln w="28575">
+            <a:solidFill>
+              <a:schemeClr val="accent1">
+                <a:lumMod val="75000"/>
+              </a:schemeClr>
+            </a:solidFill>
+            <a:tailEnd type="triangle"/>
+          </a:ln>
+        </p:spPr>
+        <p:style>
+          <a:lnRef idx="1">
+            <a:schemeClr val="accent1"/>
+          </a:lnRef>
+          <a:fillRef idx="0">
+            <a:schemeClr val="accent1"/>
+          </a:fillRef>
+          <a:effectRef idx="0">
+            <a:schemeClr val="accent1"/>
+          </a:effectRef>
+          <a:fontRef idx="minor">
+            <a:schemeClr val="tx1"/>
+          </a:fontRef>
+        </p:style>
+      </p:cxnSp>
+      <p:cxnSp>
+        <p:nvCxnSpPr>
+          <p:cNvPr id="25" name="Straight Arrow Connector 24">
+            <a:extLst>
+              <a:ext uri="{FF2B5EF4-FFF2-40B4-BE49-F238E27FC236}">
+                <a16:creationId xmlns:a16="http://schemas.microsoft.com/office/drawing/2014/main" id="{7609C1B4-DA4A-6245-B883-9B3506E82CC1}"/>
+              </a:ext>
+            </a:extLst>
+          </p:cNvPr>
+          <p:cNvCxnSpPr>
+            <a:cxnSpLocks/>
+          </p:cNvCxnSpPr>
+          <p:nvPr/>
+        </p:nvCxnSpPr>
+        <p:spPr>
+          <a:xfrm flipH="1" flipV="1">
+            <a:off x="6446866" y="2318462"/>
+            <a:ext cx="985043" cy="582442"/>
+          </a:xfrm>
+          <a:prstGeom prst="straightConnector1">
+            <a:avLst/>
+          </a:prstGeom>
+          <a:ln w="28575">
+            <a:solidFill>
+              <a:schemeClr val="accent1">
+                <a:lumMod val="75000"/>
+              </a:schemeClr>
+            </a:solidFill>
+            <a:tailEnd type="triangle"/>
+          </a:ln>
+        </p:spPr>
+        <p:style>
+          <a:lnRef idx="1">
+            <a:schemeClr val="accent1"/>
+          </a:lnRef>
+          <a:fillRef idx="0">
+            <a:schemeClr val="accent1"/>
+          </a:fillRef>
+          <a:effectRef idx="0">
+            <a:schemeClr val="accent1"/>
+          </a:effectRef>
+          <a:fontRef idx="minor">
+            <a:schemeClr val="tx1"/>
+          </a:fontRef>
+        </p:style>
+      </p:cxnSp>
+      <p:cxnSp>
+        <p:nvCxnSpPr>
+          <p:cNvPr id="27" name="Straight Arrow Connector 26">
+            <a:extLst>
+              <a:ext uri="{FF2B5EF4-FFF2-40B4-BE49-F238E27FC236}">
+                <a16:creationId xmlns:a16="http://schemas.microsoft.com/office/drawing/2014/main" id="{086B3161-454B-0D43-8C64-EB47D36ED8E2}"/>
+              </a:ext>
+            </a:extLst>
+          </p:cNvPr>
+          <p:cNvCxnSpPr>
+            <a:cxnSpLocks/>
+          </p:cNvCxnSpPr>
+          <p:nvPr/>
+        </p:nvCxnSpPr>
+        <p:spPr>
+          <a:xfrm flipV="1">
+            <a:off x="4767977" y="3488718"/>
+            <a:ext cx="0" cy="1778160"/>
+          </a:xfrm>
+          <a:prstGeom prst="straightConnector1">
+            <a:avLst/>
+          </a:prstGeom>
+          <a:ln w="28575">
+            <a:solidFill>
+              <a:schemeClr val="accent1">
+                <a:lumMod val="75000"/>
+              </a:schemeClr>
+            </a:solidFill>
+            <a:tailEnd type="triangle"/>
+          </a:ln>
+        </p:spPr>
+        <p:style>
+          <a:lnRef idx="1">
+            <a:schemeClr val="accent1"/>
+          </a:lnRef>
+          <a:fillRef idx="0">
+            <a:schemeClr val="accent1"/>
+          </a:fillRef>
+          <a:effectRef idx="0">
+            <a:schemeClr val="accent1"/>
+          </a:effectRef>
+          <a:fontRef idx="minor">
+            <a:schemeClr val="tx1"/>
+          </a:fontRef>
+        </p:style>
+      </p:cxnSp>
+      <p:cxnSp>
+        <p:nvCxnSpPr>
+          <p:cNvPr id="29" name="Straight Arrow Connector 28">
+            <a:extLst>
+              <a:ext uri="{FF2B5EF4-FFF2-40B4-BE49-F238E27FC236}">
+                <a16:creationId xmlns:a16="http://schemas.microsoft.com/office/drawing/2014/main" id="{6860C103-7B0D-E34D-8369-A4E7D480F4BC}"/>
+              </a:ext>
+            </a:extLst>
+          </p:cNvPr>
+          <p:cNvCxnSpPr>
+            <a:cxnSpLocks/>
+          </p:cNvCxnSpPr>
+          <p:nvPr/>
+        </p:nvCxnSpPr>
+        <p:spPr>
+          <a:xfrm flipV="1">
+            <a:off x="3886660" y="3429000"/>
+            <a:ext cx="594293" cy="86278"/>
+          </a:xfrm>
+          <a:prstGeom prst="straightConnector1">
+            <a:avLst/>
+          </a:prstGeom>
+          <a:ln w="28575">
+            <a:solidFill>
+              <a:schemeClr val="accent1">
+                <a:lumMod val="75000"/>
+              </a:schemeClr>
+            </a:solidFill>
+            <a:tailEnd type="triangle"/>
+          </a:ln>
+        </p:spPr>
+        <p:style>
+          <a:lnRef idx="1">
+            <a:schemeClr val="accent1"/>
+          </a:lnRef>
+          <a:fillRef idx="0">
+            <a:schemeClr val="accent1"/>
+          </a:fillRef>
+          <a:effectRef idx="0">
+            <a:schemeClr val="accent1"/>
+          </a:effectRef>
+          <a:fontRef idx="minor">
+            <a:schemeClr val="tx1"/>
+          </a:fontRef>
+        </p:style>
+      </p:cxnSp>
+      <p:sp>
+        <p:nvSpPr>
+          <p:cNvPr id="13" name="TextBox 12">
+            <a:extLst>
+              <a:ext uri="{FF2B5EF4-FFF2-40B4-BE49-F238E27FC236}">
+                <a16:creationId xmlns:a16="http://schemas.microsoft.com/office/drawing/2014/main" id="{8EF60382-7AC0-B84F-9912-505070BA477B}"/>
+              </a:ext>
+            </a:extLst>
+          </p:cNvPr>
+          <p:cNvSpPr txBox="1"/>
+          <p:nvPr/>
+        </p:nvSpPr>
+        <p:spPr>
+          <a:xfrm>
+            <a:off x="5654206" y="1984808"/>
+            <a:ext cx="1405962" cy="369332"/>
+          </a:xfrm>
+          <a:prstGeom prst="rect">
+            <a:avLst/>
+          </a:prstGeom>
+          <a:noFill/>
+        </p:spPr>
+        <p:txBody>
+          <a:bodyPr wrap="none" rtlCol="0">
+            <a:spAutoFit/>
+          </a:bodyPr>
+          <a:lstStyle/>
+          <a:p>
+            <a:r>
+              <a:rPr lang="en-US" dirty="0"/>
+              <a:t>Noise Source</a:t>
+            </a:r>
+          </a:p>
+        </p:txBody>
+      </p:sp>
+      <p:sp>
+        <p:nvSpPr>
+          <p:cNvPr id="14" name="TextBox 13">
+            <a:extLst>
+              <a:ext uri="{FF2B5EF4-FFF2-40B4-BE49-F238E27FC236}">
+                <a16:creationId xmlns:a16="http://schemas.microsoft.com/office/drawing/2014/main" id="{32D1F7F8-CF68-1349-A723-E6E27D495B05}"/>
+              </a:ext>
+            </a:extLst>
+          </p:cNvPr>
+          <p:cNvSpPr txBox="1"/>
+          <p:nvPr/>
+        </p:nvSpPr>
+        <p:spPr>
+          <a:xfrm>
+            <a:off x="4131645" y="3062884"/>
+            <a:ext cx="1032655" cy="369332"/>
+          </a:xfrm>
+          <a:prstGeom prst="rect">
+            <a:avLst/>
+          </a:prstGeom>
+          <a:noFill/>
+        </p:spPr>
+        <p:txBody>
+          <a:bodyPr wrap="none" rtlCol="0">
+            <a:spAutoFit/>
+          </a:bodyPr>
+          <a:lstStyle/>
+          <a:p>
+            <a:r>
+              <a:rPr lang="en-US" dirty="0"/>
+              <a:t>Buildings</a:t>
+            </a:r>
+          </a:p>
+        </p:txBody>
+      </p:sp>
+      <p:sp>
+        <p:nvSpPr>
+          <p:cNvPr id="15" name="TextBox 14">
+            <a:extLst>
+              <a:ext uri="{FF2B5EF4-FFF2-40B4-BE49-F238E27FC236}">
+                <a16:creationId xmlns:a16="http://schemas.microsoft.com/office/drawing/2014/main" id="{84976896-41C2-8B46-9E49-44911CE3C3E9}"/>
+              </a:ext>
+            </a:extLst>
+          </p:cNvPr>
+          <p:cNvSpPr txBox="1"/>
+          <p:nvPr/>
+        </p:nvSpPr>
+        <p:spPr>
+          <a:xfrm>
+            <a:off x="1111108" y="6350268"/>
+            <a:ext cx="2727670" cy="369332"/>
+          </a:xfrm>
+          <a:prstGeom prst="rect">
+            <a:avLst/>
+          </a:prstGeom>
+          <a:noFill/>
+        </p:spPr>
+        <p:txBody>
+          <a:bodyPr wrap="none" rtlCol="0">
+            <a:spAutoFit/>
+          </a:bodyPr>
+          <a:lstStyle/>
+          <a:p>
+            <a:r>
+              <a:rPr lang="en-US" dirty="0"/>
+              <a:t>Building darker color=taller</a:t>
+            </a:r>
+          </a:p>
+        </p:txBody>
+      </p:sp>
     </p:spTree>
     <p:extLst>
       <p:ext uri="{BB962C8B-B14F-4D97-AF65-F5344CB8AC3E}">
